--- a/Rukovanje pravilima u poslovnim web aplikacijama.pptx
+++ b/Rukovanje pravilima u poslovnim web aplikacijama.pptx
@@ -26,6 +26,22 @@
     <p:sldId id="274" r:id="rId20"/>
     <p:sldId id="275" r:id="rId21"/>
     <p:sldId id="276" r:id="rId22"/>
+    <p:sldId id="277" r:id="rId23"/>
+    <p:sldId id="278" r:id="rId24"/>
+    <p:sldId id="279" r:id="rId25"/>
+    <p:sldId id="280" r:id="rId26"/>
+    <p:sldId id="281" r:id="rId27"/>
+    <p:sldId id="282" r:id="rId28"/>
+    <p:sldId id="283" r:id="rId29"/>
+    <p:sldId id="284" r:id="rId30"/>
+    <p:sldId id="285" r:id="rId31"/>
+    <p:sldId id="286" r:id="rId32"/>
+    <p:sldId id="287" r:id="rId33"/>
+    <p:sldId id="288" r:id="rId34"/>
+    <p:sldId id="289" r:id="rId35"/>
+    <p:sldId id="290" r:id="rId36"/>
+    <p:sldId id="291" r:id="rId37"/>
+    <p:sldId id="292" r:id="rId38"/>
   </p:sldIdLst>
   <p:sldSz cx="12192000" cy="6858000"/>
   <p:notesSz cx="6858000" cy="9144000"/>
@@ -279,7 +295,7 @@
           <a:p>
             <a:fld id="{F5616EE6-3A9D-4CD1-A260-E525D3B0A9F8}" type="datetimeFigureOut">
               <a:rPr lang="en-US" smtClean="0"/>
-              <a:t>8/18/2020</a:t>
+              <a:t>8/20/2020</a:t>
             </a:fld>
             <a:endParaRPr lang="en-US"/>
           </a:p>
@@ -477,7 +493,7 @@
           <a:p>
             <a:fld id="{F5616EE6-3A9D-4CD1-A260-E525D3B0A9F8}" type="datetimeFigureOut">
               <a:rPr lang="en-US" smtClean="0"/>
-              <a:t>8/18/2020</a:t>
+              <a:t>8/20/2020</a:t>
             </a:fld>
             <a:endParaRPr lang="en-US"/>
           </a:p>
@@ -685,7 +701,7 @@
           <a:p>
             <a:fld id="{F5616EE6-3A9D-4CD1-A260-E525D3B0A9F8}" type="datetimeFigureOut">
               <a:rPr lang="en-US" smtClean="0"/>
-              <a:t>8/18/2020</a:t>
+              <a:t>8/20/2020</a:t>
             </a:fld>
             <a:endParaRPr lang="en-US"/>
           </a:p>
@@ -883,7 +899,7 @@
           <a:p>
             <a:fld id="{F5616EE6-3A9D-4CD1-A260-E525D3B0A9F8}" type="datetimeFigureOut">
               <a:rPr lang="en-US" smtClean="0"/>
-              <a:t>8/18/2020</a:t>
+              <a:t>8/20/2020</a:t>
             </a:fld>
             <a:endParaRPr lang="en-US"/>
           </a:p>
@@ -1158,7 +1174,7 @@
           <a:p>
             <a:fld id="{F5616EE6-3A9D-4CD1-A260-E525D3B0A9F8}" type="datetimeFigureOut">
               <a:rPr lang="en-US" smtClean="0"/>
-              <a:t>8/18/2020</a:t>
+              <a:t>8/20/2020</a:t>
             </a:fld>
             <a:endParaRPr lang="en-US"/>
           </a:p>
@@ -1423,7 +1439,7 @@
           <a:p>
             <a:fld id="{F5616EE6-3A9D-4CD1-A260-E525D3B0A9F8}" type="datetimeFigureOut">
               <a:rPr lang="en-US" smtClean="0"/>
-              <a:t>8/18/2020</a:t>
+              <a:t>8/20/2020</a:t>
             </a:fld>
             <a:endParaRPr lang="en-US"/>
           </a:p>
@@ -1835,7 +1851,7 @@
           <a:p>
             <a:fld id="{F5616EE6-3A9D-4CD1-A260-E525D3B0A9F8}" type="datetimeFigureOut">
               <a:rPr lang="en-US" smtClean="0"/>
-              <a:t>8/18/2020</a:t>
+              <a:t>8/20/2020</a:t>
             </a:fld>
             <a:endParaRPr lang="en-US"/>
           </a:p>
@@ -1976,7 +1992,7 @@
           <a:p>
             <a:fld id="{F5616EE6-3A9D-4CD1-A260-E525D3B0A9F8}" type="datetimeFigureOut">
               <a:rPr lang="en-US" smtClean="0"/>
-              <a:t>8/18/2020</a:t>
+              <a:t>8/20/2020</a:t>
             </a:fld>
             <a:endParaRPr lang="en-US"/>
           </a:p>
@@ -2089,7 +2105,7 @@
           <a:p>
             <a:fld id="{F5616EE6-3A9D-4CD1-A260-E525D3B0A9F8}" type="datetimeFigureOut">
               <a:rPr lang="en-US" smtClean="0"/>
-              <a:t>8/18/2020</a:t>
+              <a:t>8/20/2020</a:t>
             </a:fld>
             <a:endParaRPr lang="en-US"/>
           </a:p>
@@ -2400,7 +2416,7 @@
           <a:p>
             <a:fld id="{F5616EE6-3A9D-4CD1-A260-E525D3B0A9F8}" type="datetimeFigureOut">
               <a:rPr lang="en-US" smtClean="0"/>
-              <a:t>8/18/2020</a:t>
+              <a:t>8/20/2020</a:t>
             </a:fld>
             <a:endParaRPr lang="en-US"/>
           </a:p>
@@ -2688,7 +2704,7 @@
           <a:p>
             <a:fld id="{F5616EE6-3A9D-4CD1-A260-E525D3B0A9F8}" type="datetimeFigureOut">
               <a:rPr lang="en-US" smtClean="0"/>
-              <a:t>8/18/2020</a:t>
+              <a:t>8/20/2020</a:t>
             </a:fld>
             <a:endParaRPr lang="en-US"/>
           </a:p>
@@ -2929,7 +2945,7 @@
           <a:p>
             <a:fld id="{F5616EE6-3A9D-4CD1-A260-E525D3B0A9F8}" type="datetimeFigureOut">
               <a:rPr lang="en-US" smtClean="0"/>
-              <a:t>8/18/2020</a:t>
+              <a:t>8/20/2020</a:t>
             </a:fld>
             <a:endParaRPr lang="en-US"/>
           </a:p>
@@ -7963,6 +7979,2939 @@
 </p:sld>
 </file>
 
+<file path=ppt/slides/slide22.xml><?xml version="1.0" encoding="utf-8"?>
+<p:sld xmlns:a="http://schemas.openxmlformats.org/drawingml/2006/main" xmlns:r="http://schemas.openxmlformats.org/officeDocument/2006/relationships" xmlns:p="http://schemas.openxmlformats.org/presentationml/2006/main">
+  <p:cSld>
+    <p:spTree>
+      <p:nvGrpSpPr>
+        <p:cNvPr id="1" name=""/>
+        <p:cNvGrpSpPr/>
+        <p:nvPr/>
+      </p:nvGrpSpPr>
+      <p:grpSpPr>
+        <a:xfrm>
+          <a:off x="0" y="0"/>
+          <a:ext cx="0" cy="0"/>
+          <a:chOff x="0" y="0"/>
+          <a:chExt cx="0" cy="0"/>
+        </a:xfrm>
+      </p:grpSpPr>
+      <p:sp>
+        <p:nvSpPr>
+          <p:cNvPr id="2" name="Title 1">
+            <a:extLst>
+              <a:ext uri="{FF2B5EF4-FFF2-40B4-BE49-F238E27FC236}">
+                <a16:creationId xmlns:a16="http://schemas.microsoft.com/office/drawing/2014/main" id="{49CA4A2B-BB74-418D-8EC0-570FA9940CD5}"/>
+              </a:ext>
+            </a:extLst>
+          </p:cNvPr>
+          <p:cNvSpPr>
+            <a:spLocks noGrp="1"/>
+          </p:cNvSpPr>
+          <p:nvPr>
+            <p:ph type="title"/>
+          </p:nvPr>
+        </p:nvSpPr>
+        <p:spPr/>
+        <p:txBody>
+          <a:bodyPr/>
+          <a:lstStyle/>
+          <a:p>
+            <a:pPr algn="ctr"/>
+            <a:r>
+              <a:rPr lang="sr-Latn-RS" dirty="0"/>
+              <a:t>Rete algoritam</a:t>
+            </a:r>
+            <a:endParaRPr lang="en-US" dirty="0"/>
+          </a:p>
+        </p:txBody>
+      </p:sp>
+      <p:sp>
+        <p:nvSpPr>
+          <p:cNvPr id="3" name="Content Placeholder 2">
+            <a:extLst>
+              <a:ext uri="{FF2B5EF4-FFF2-40B4-BE49-F238E27FC236}">
+                <a16:creationId xmlns:a16="http://schemas.microsoft.com/office/drawing/2014/main" id="{40F8265F-1F7A-4AB3-ADF2-29A11C9957B2}"/>
+              </a:ext>
+            </a:extLst>
+          </p:cNvPr>
+          <p:cNvSpPr>
+            <a:spLocks noGrp="1"/>
+          </p:cNvSpPr>
+          <p:nvPr>
+            <p:ph idx="1"/>
+          </p:nvPr>
+        </p:nvSpPr>
+        <p:spPr/>
+        <p:txBody>
+          <a:bodyPr>
+            <a:normAutofit fontScale="92500" lnSpcReduction="20000"/>
+          </a:bodyPr>
+          <a:lstStyle/>
+          <a:p>
+            <a:r>
+              <a:rPr lang="sr-Latn-RS" dirty="0"/>
+              <a:t>R</a:t>
+            </a:r>
+            <a:r>
+              <a:rPr lang="en-US" dirty="0" err="1"/>
+              <a:t>azvio</a:t>
+            </a:r>
+            <a:r>
+              <a:rPr lang="sr-Latn-RS" dirty="0"/>
+              <a:t> ga je</a:t>
+            </a:r>
+            <a:r>
+              <a:rPr lang="en-US" dirty="0"/>
+              <a:t> </a:t>
+            </a:r>
+            <a:r>
+              <a:rPr lang="en-US" dirty="0" err="1"/>
+              <a:t>američki</a:t>
+            </a:r>
+            <a:r>
+              <a:rPr lang="en-US" dirty="0"/>
+              <a:t> </a:t>
+            </a:r>
+            <a:r>
+              <a:rPr lang="en-US" dirty="0" err="1"/>
+              <a:t>naučnik</a:t>
+            </a:r>
+            <a:r>
+              <a:rPr lang="en-US" dirty="0"/>
+              <a:t> Charles L. </a:t>
+            </a:r>
+            <a:r>
+              <a:rPr lang="en-US" dirty="0" err="1"/>
+              <a:t>Forgy</a:t>
+            </a:r>
+            <a:r>
+              <a:rPr lang="en-US" dirty="0"/>
+              <a:t> </a:t>
+            </a:r>
+            <a:r>
+              <a:rPr lang="en-US" dirty="0" err="1"/>
+              <a:t>kasnih</a:t>
+            </a:r>
+            <a:r>
+              <a:rPr lang="en-US" dirty="0"/>
+              <a:t> 70ih </a:t>
+            </a:r>
+            <a:r>
+              <a:rPr lang="en-US" dirty="0" err="1"/>
+              <a:t>godina</a:t>
+            </a:r>
+            <a:endParaRPr lang="sr-Latn-RS" dirty="0"/>
+          </a:p>
+          <a:p>
+            <a:r>
+              <a:rPr lang="en-US" dirty="0" err="1"/>
+              <a:t>Ideja</a:t>
+            </a:r>
+            <a:r>
+              <a:rPr lang="sr-Latn-RS" dirty="0"/>
+              <a:t> </a:t>
+            </a:r>
+            <a:r>
+              <a:rPr lang="en-US" dirty="0" err="1"/>
+              <a:t>jeste</a:t>
+            </a:r>
+            <a:r>
+              <a:rPr lang="en-US" dirty="0"/>
+              <a:t> da</a:t>
+            </a:r>
+            <a:r>
+              <a:rPr lang="sr-Latn-RS" dirty="0"/>
+              <a:t> se</a:t>
+            </a:r>
+            <a:r>
+              <a:rPr lang="en-US" dirty="0"/>
+              <a:t> </a:t>
+            </a:r>
+            <a:r>
+              <a:rPr lang="en-US" dirty="0" err="1"/>
+              <a:t>razdvoji</a:t>
+            </a:r>
+            <a:r>
+              <a:rPr lang="en-US" dirty="0"/>
+              <a:t> </a:t>
+            </a:r>
+            <a:r>
+              <a:rPr lang="en-US" dirty="0" err="1"/>
+              <a:t>evaluacij</a:t>
+            </a:r>
+            <a:r>
+              <a:rPr lang="sr-Latn-RS" dirty="0"/>
+              <a:t>a</a:t>
+            </a:r>
+            <a:r>
+              <a:rPr lang="en-US" dirty="0"/>
+              <a:t> </a:t>
+            </a:r>
+            <a:r>
+              <a:rPr lang="en-US" dirty="0" err="1"/>
+              <a:t>hipoteze</a:t>
+            </a:r>
+            <a:r>
+              <a:rPr lang="en-US" dirty="0"/>
+              <a:t> od </a:t>
+            </a:r>
+            <a:r>
+              <a:rPr lang="en-US" dirty="0" err="1"/>
+              <a:t>redosleda</a:t>
+            </a:r>
+            <a:r>
+              <a:rPr lang="en-US" dirty="0"/>
+              <a:t> </a:t>
+            </a:r>
+            <a:r>
+              <a:rPr lang="en-US" dirty="0" err="1"/>
+              <a:t>izvršavanja</a:t>
+            </a:r>
+            <a:endParaRPr lang="sr-Latn-RS" dirty="0"/>
+          </a:p>
+          <a:p>
+            <a:r>
+              <a:rPr lang="sr-Latn-RS" dirty="0"/>
+              <a:t>U </a:t>
+            </a:r>
+            <a:r>
+              <a:rPr lang="en-US" dirty="0" err="1"/>
+              <a:t>situacij</a:t>
+            </a:r>
+            <a:r>
+              <a:rPr lang="sr-Latn-RS" dirty="0"/>
+              <a:t>i</a:t>
+            </a:r>
+            <a:r>
+              <a:rPr lang="en-US" dirty="0"/>
+              <a:t> </a:t>
+            </a:r>
+            <a:r>
+              <a:rPr lang="en-US" dirty="0" err="1"/>
+              <a:t>kada</a:t>
+            </a:r>
+            <a:r>
+              <a:rPr lang="en-US" dirty="0"/>
+              <a:t> </a:t>
+            </a:r>
+            <a:r>
+              <a:rPr lang="en-US" dirty="0" err="1"/>
+              <a:t>imamo</a:t>
+            </a:r>
+            <a:r>
+              <a:rPr lang="en-US" dirty="0"/>
+              <a:t> </a:t>
+            </a:r>
+            <a:r>
+              <a:rPr lang="en-US" dirty="0" err="1"/>
+              <a:t>veliki</a:t>
+            </a:r>
+            <a:r>
+              <a:rPr lang="en-US" dirty="0"/>
+              <a:t> </a:t>
+            </a:r>
+            <a:r>
+              <a:rPr lang="en-US" dirty="0" err="1"/>
+              <a:t>broj</a:t>
+            </a:r>
+            <a:r>
+              <a:rPr lang="en-US" dirty="0"/>
+              <a:t> </a:t>
+            </a:r>
+            <a:r>
+              <a:rPr lang="en-US" dirty="0" err="1"/>
+              <a:t>poslovnih</a:t>
+            </a:r>
+            <a:r>
+              <a:rPr lang="en-US" dirty="0"/>
+              <a:t> </a:t>
+            </a:r>
+            <a:r>
+              <a:rPr lang="en-US" dirty="0" err="1"/>
+              <a:t>pravila</a:t>
+            </a:r>
+            <a:r>
+              <a:rPr lang="en-US" dirty="0"/>
+              <a:t> </a:t>
+            </a:r>
+            <a:r>
+              <a:rPr lang="en-US" dirty="0" err="1"/>
+              <a:t>koja</a:t>
+            </a:r>
+            <a:r>
+              <a:rPr lang="en-US" dirty="0"/>
+              <a:t> </a:t>
+            </a:r>
+            <a:r>
+              <a:rPr lang="en-US" dirty="0" err="1"/>
+              <a:t>trebaju</a:t>
+            </a:r>
+            <a:r>
+              <a:rPr lang="en-US" dirty="0"/>
+              <a:t> da se </a:t>
+            </a:r>
+            <a:r>
+              <a:rPr lang="en-US" dirty="0" err="1"/>
+              <a:t>primene</a:t>
+            </a:r>
+            <a:r>
+              <a:rPr lang="en-US" dirty="0"/>
+              <a:t> </a:t>
+            </a:r>
+            <a:r>
+              <a:rPr lang="en-US" dirty="0" err="1"/>
+              <a:t>na</a:t>
+            </a:r>
+            <a:r>
+              <a:rPr lang="en-US" dirty="0"/>
+              <a:t> </a:t>
+            </a:r>
+            <a:r>
+              <a:rPr lang="en-US" dirty="0" err="1"/>
+              <a:t>činjenice</a:t>
+            </a:r>
+            <a:r>
+              <a:rPr lang="en-US" dirty="0"/>
+              <a:t>, </a:t>
+            </a:r>
+            <a:r>
+              <a:rPr lang="en-US" dirty="0" err="1"/>
+              <a:t>konstantna</a:t>
+            </a:r>
+            <a:r>
+              <a:rPr lang="en-US" dirty="0"/>
+              <a:t> </a:t>
+            </a:r>
+            <a:r>
+              <a:rPr lang="en-US" dirty="0" err="1"/>
+              <a:t>evaluacija</a:t>
+            </a:r>
+            <a:r>
+              <a:rPr lang="en-US" dirty="0"/>
+              <a:t> </a:t>
+            </a:r>
+            <a:r>
+              <a:rPr lang="en-US" dirty="0" err="1"/>
+              <a:t>i</a:t>
+            </a:r>
+            <a:r>
+              <a:rPr lang="en-US" dirty="0"/>
+              <a:t> </a:t>
+            </a:r>
+            <a:r>
+              <a:rPr lang="en-US" dirty="0" err="1"/>
+              <a:t>reevaluacija</a:t>
+            </a:r>
+            <a:r>
+              <a:rPr lang="en-US" dirty="0"/>
+              <a:t> </a:t>
+            </a:r>
+            <a:r>
+              <a:rPr lang="en-US" dirty="0" err="1"/>
+              <a:t>pravila</a:t>
+            </a:r>
+            <a:r>
+              <a:rPr lang="en-US" dirty="0"/>
+              <a:t> </a:t>
+            </a:r>
+            <a:r>
+              <a:rPr lang="en-US" dirty="0" err="1"/>
+              <a:t>i</a:t>
+            </a:r>
+            <a:r>
+              <a:rPr lang="en-US" dirty="0"/>
+              <a:t> </a:t>
+            </a:r>
+            <a:r>
+              <a:rPr lang="en-US" dirty="0" err="1"/>
+              <a:t>uređivanje</a:t>
+            </a:r>
+            <a:r>
+              <a:rPr lang="en-US" dirty="0"/>
+              <a:t> </a:t>
+            </a:r>
+            <a:r>
+              <a:rPr lang="en-US" dirty="0" err="1"/>
+              <a:t>redosleda</a:t>
+            </a:r>
+            <a:r>
+              <a:rPr lang="en-US" dirty="0"/>
+              <a:t> </a:t>
+            </a:r>
+            <a:r>
+              <a:rPr lang="en-US" dirty="0" err="1"/>
+              <a:t>izvršavanja</a:t>
+            </a:r>
+            <a:r>
+              <a:rPr lang="en-US" dirty="0"/>
+              <a:t> </a:t>
+            </a:r>
+            <a:r>
+              <a:rPr lang="sr-Latn-RS" dirty="0"/>
+              <a:t>je često </a:t>
+            </a:r>
+            <a:r>
+              <a:rPr lang="en-US" dirty="0" err="1"/>
+              <a:t>resursno</a:t>
+            </a:r>
+            <a:r>
+              <a:rPr lang="en-US" dirty="0"/>
+              <a:t> </a:t>
+            </a:r>
+            <a:r>
+              <a:rPr lang="en-US" dirty="0" err="1"/>
+              <a:t>veoma</a:t>
+            </a:r>
+            <a:r>
+              <a:rPr lang="en-US" dirty="0"/>
+              <a:t> </a:t>
+            </a:r>
+            <a:r>
+              <a:rPr lang="en-US" dirty="0" err="1"/>
+              <a:t>zahtevno</a:t>
+            </a:r>
+            <a:endParaRPr lang="sr-Latn-RS" dirty="0"/>
+          </a:p>
+          <a:p>
+            <a:r>
+              <a:rPr lang="sr-Latn-RS" dirty="0"/>
+              <a:t>U</a:t>
+            </a:r>
+            <a:r>
+              <a:rPr lang="pt-BR" dirty="0"/>
+              <a:t>šted</a:t>
+            </a:r>
+            <a:r>
+              <a:rPr lang="sr-Latn-RS" dirty="0"/>
+              <a:t>a</a:t>
+            </a:r>
+            <a:r>
+              <a:rPr lang="pt-BR" dirty="0"/>
+              <a:t> na resursima – rezultuje sa manjim iskorišćenjem memorije i bržom evaluacijom pravila</a:t>
+            </a:r>
+            <a:endParaRPr lang="sr-Latn-RS" dirty="0"/>
+          </a:p>
+          <a:p>
+            <a:r>
+              <a:rPr lang="en-US" dirty="0"/>
+              <a:t>Rete </a:t>
+            </a:r>
+            <a:r>
+              <a:rPr lang="en-US" dirty="0" err="1"/>
+              <a:t>algoritam</a:t>
+            </a:r>
+            <a:r>
+              <a:rPr lang="en-US" dirty="0"/>
+              <a:t> </a:t>
+            </a:r>
+            <a:r>
+              <a:rPr lang="en-US" dirty="0" err="1"/>
+              <a:t>nije</a:t>
+            </a:r>
+            <a:r>
+              <a:rPr lang="en-US" dirty="0"/>
+              <a:t> </a:t>
+            </a:r>
+            <a:r>
+              <a:rPr lang="en-US" dirty="0" err="1"/>
+              <a:t>optimalan</a:t>
+            </a:r>
+            <a:r>
+              <a:rPr lang="en-US" dirty="0"/>
+              <a:t> u </a:t>
+            </a:r>
+            <a:r>
+              <a:rPr lang="en-US" dirty="0" err="1"/>
+              <a:t>svim</a:t>
+            </a:r>
+            <a:r>
+              <a:rPr lang="en-US" dirty="0"/>
+              <a:t> </a:t>
+            </a:r>
+            <a:r>
+              <a:rPr lang="en-US" dirty="0" err="1"/>
+              <a:t>situacijama</a:t>
+            </a:r>
+            <a:r>
+              <a:rPr lang="en-US" dirty="0"/>
+              <a:t>; on </a:t>
+            </a:r>
+            <a:r>
+              <a:rPr lang="en-US" dirty="0" err="1"/>
+              <a:t>idealno</a:t>
+            </a:r>
+            <a:r>
+              <a:rPr lang="en-US" dirty="0"/>
+              <a:t> </a:t>
+            </a:r>
+            <a:r>
+              <a:rPr lang="en-US" dirty="0" err="1"/>
+              <a:t>radi</a:t>
+            </a:r>
+            <a:r>
+              <a:rPr lang="en-US" dirty="0"/>
+              <a:t> </a:t>
+            </a:r>
+            <a:r>
+              <a:rPr lang="en-US" dirty="0" err="1"/>
+              <a:t>kada</a:t>
+            </a:r>
+            <a:r>
+              <a:rPr lang="en-US" dirty="0"/>
+              <a:t> </a:t>
+            </a:r>
+            <a:r>
+              <a:rPr lang="en-US" dirty="0" err="1"/>
+              <a:t>imamo</a:t>
+            </a:r>
+            <a:r>
+              <a:rPr lang="en-US" dirty="0"/>
+              <a:t> </a:t>
+            </a:r>
+            <a:r>
+              <a:rPr lang="en-US" dirty="0" err="1"/>
+              <a:t>veliki</a:t>
+            </a:r>
+            <a:r>
+              <a:rPr lang="en-US" dirty="0"/>
+              <a:t> </a:t>
+            </a:r>
+            <a:r>
+              <a:rPr lang="en-US" dirty="0" err="1"/>
+              <a:t>broj</a:t>
+            </a:r>
+            <a:r>
+              <a:rPr lang="en-US" dirty="0"/>
+              <a:t> </a:t>
+            </a:r>
+            <a:r>
+              <a:rPr lang="en-US" dirty="0" err="1"/>
+              <a:t>pravila</a:t>
+            </a:r>
+            <a:r>
+              <a:rPr lang="en-US" dirty="0"/>
+              <a:t> </a:t>
+            </a:r>
+            <a:r>
+              <a:rPr lang="en-US" dirty="0" err="1"/>
+              <a:t>i</a:t>
+            </a:r>
+            <a:r>
+              <a:rPr lang="en-US" dirty="0"/>
+              <a:t> </a:t>
+            </a:r>
+            <a:r>
+              <a:rPr lang="en-US" dirty="0" err="1"/>
+              <a:t>manji</a:t>
+            </a:r>
+            <a:r>
+              <a:rPr lang="en-US" dirty="0"/>
+              <a:t> </a:t>
+            </a:r>
+            <a:r>
+              <a:rPr lang="en-US" dirty="0" err="1"/>
+              <a:t>broj</a:t>
+            </a:r>
+            <a:r>
+              <a:rPr lang="en-US" dirty="0"/>
+              <a:t> </a:t>
+            </a:r>
+            <a:r>
+              <a:rPr lang="en-US" dirty="0" err="1"/>
+              <a:t>objekata</a:t>
+            </a:r>
+            <a:r>
+              <a:rPr lang="en-US" dirty="0"/>
+              <a:t> u </a:t>
+            </a:r>
+            <a:r>
+              <a:rPr lang="en-US" dirty="0" err="1"/>
+              <a:t>radnoj</a:t>
+            </a:r>
+            <a:r>
+              <a:rPr lang="en-US" dirty="0"/>
+              <a:t> </a:t>
+            </a:r>
+            <a:r>
+              <a:rPr lang="en-US" dirty="0" err="1"/>
+              <a:t>memoriji</a:t>
+            </a:r>
+            <a:endParaRPr lang="sr-Latn-RS" dirty="0"/>
+          </a:p>
+          <a:p>
+            <a:r>
+              <a:rPr lang="en-US" dirty="0" err="1"/>
+              <a:t>Tradicionalni</a:t>
+            </a:r>
+            <a:r>
+              <a:rPr lang="en-US" dirty="0"/>
+              <a:t> </a:t>
+            </a:r>
+            <a:r>
+              <a:rPr lang="en-US" dirty="0" err="1"/>
+              <a:t>pristup</a:t>
+            </a:r>
+            <a:r>
+              <a:rPr lang="en-US" dirty="0"/>
+              <a:t> bi bio </a:t>
+            </a:r>
+            <a:r>
+              <a:rPr lang="en-US" dirty="0" err="1"/>
+              <a:t>uređivanje</a:t>
+            </a:r>
+            <a:r>
+              <a:rPr lang="en-US" dirty="0"/>
+              <a:t> </a:t>
+            </a:r>
+            <a:r>
+              <a:rPr lang="en-US" dirty="0" err="1"/>
+              <a:t>i</a:t>
+            </a:r>
+            <a:r>
+              <a:rPr lang="en-US" dirty="0"/>
+              <a:t> </a:t>
+            </a:r>
+            <a:r>
+              <a:rPr lang="en-US" dirty="0" err="1"/>
+              <a:t>ugneždenje</a:t>
+            </a:r>
+            <a:r>
+              <a:rPr lang="en-US" dirty="0"/>
+              <a:t> </a:t>
+            </a:r>
+            <a:r>
+              <a:rPr lang="en-US" dirty="0" err="1"/>
+              <a:t>pravila</a:t>
+            </a:r>
+            <a:r>
+              <a:rPr lang="en-US" dirty="0"/>
+              <a:t> </a:t>
+            </a:r>
+            <a:r>
+              <a:rPr lang="en-US" dirty="0" err="1"/>
+              <a:t>tako</a:t>
+            </a:r>
+            <a:r>
+              <a:rPr lang="en-US" dirty="0"/>
+              <a:t> da se </a:t>
+            </a:r>
+            <a:r>
+              <a:rPr lang="en-US" dirty="0" err="1"/>
+              <a:t>izvršavaju</a:t>
+            </a:r>
+            <a:r>
+              <a:rPr lang="en-US" dirty="0"/>
+              <a:t> </a:t>
+            </a:r>
+            <a:r>
+              <a:rPr lang="en-US" dirty="0" err="1"/>
+              <a:t>sekvencijalno</a:t>
+            </a:r>
+            <a:r>
+              <a:rPr lang="en-US" dirty="0"/>
+              <a:t>. </a:t>
+            </a:r>
+            <a:r>
+              <a:rPr lang="en-US" dirty="0" err="1"/>
+              <a:t>Ovaj</a:t>
+            </a:r>
+            <a:r>
+              <a:rPr lang="en-US" dirty="0"/>
+              <a:t> </a:t>
+            </a:r>
+            <a:r>
+              <a:rPr lang="en-US" dirty="0" err="1"/>
+              <a:t>pristup</a:t>
+            </a:r>
+            <a:r>
+              <a:rPr lang="en-US" dirty="0"/>
+              <a:t> </a:t>
+            </a:r>
+            <a:r>
+              <a:rPr lang="en-US" dirty="0" err="1"/>
+              <a:t>nije</a:t>
+            </a:r>
+            <a:r>
+              <a:rPr lang="en-US" dirty="0"/>
+              <a:t> </a:t>
+            </a:r>
+            <a:r>
+              <a:rPr lang="en-US" dirty="0" err="1"/>
+              <a:t>primenljiv</a:t>
+            </a:r>
+            <a:r>
+              <a:rPr lang="en-US" dirty="0"/>
+              <a:t> u </a:t>
+            </a:r>
+            <a:r>
+              <a:rPr lang="en-US" dirty="0" err="1"/>
+              <a:t>slučaju</a:t>
+            </a:r>
+            <a:r>
+              <a:rPr lang="en-US" dirty="0"/>
+              <a:t> </a:t>
+            </a:r>
+            <a:r>
+              <a:rPr lang="en-US" dirty="0" err="1"/>
+              <a:t>kada</a:t>
+            </a:r>
+            <a:r>
+              <a:rPr lang="en-US" dirty="0"/>
+              <a:t> </a:t>
+            </a:r>
+            <a:r>
+              <a:rPr lang="en-US" dirty="0" err="1"/>
+              <a:t>pravilo</a:t>
+            </a:r>
+            <a:r>
+              <a:rPr lang="en-US" dirty="0"/>
+              <a:t> </a:t>
+            </a:r>
+            <a:r>
+              <a:rPr lang="en-US" dirty="0" err="1"/>
+              <a:t>treba</a:t>
+            </a:r>
+            <a:r>
+              <a:rPr lang="en-US" dirty="0"/>
+              <a:t> da se </a:t>
+            </a:r>
+            <a:r>
+              <a:rPr lang="en-US" dirty="0" err="1"/>
+              <a:t>izvrši</a:t>
+            </a:r>
+            <a:r>
+              <a:rPr lang="en-US" dirty="0"/>
+              <a:t> </a:t>
+            </a:r>
+            <a:r>
+              <a:rPr lang="en-US" dirty="0" err="1"/>
+              <a:t>kao</a:t>
+            </a:r>
+            <a:r>
+              <a:rPr lang="en-US" dirty="0"/>
+              <a:t> </a:t>
+            </a:r>
+            <a:r>
+              <a:rPr lang="en-US" dirty="0" err="1"/>
+              <a:t>rezultat</a:t>
+            </a:r>
+            <a:r>
+              <a:rPr lang="en-US" dirty="0"/>
+              <a:t> </a:t>
+            </a:r>
+            <a:r>
+              <a:rPr lang="en-US" dirty="0" err="1"/>
+              <a:t>izvršavanja</a:t>
+            </a:r>
+            <a:r>
+              <a:rPr lang="en-US" dirty="0"/>
+              <a:t> </a:t>
+            </a:r>
+            <a:r>
+              <a:rPr lang="en-US" dirty="0" err="1"/>
+              <a:t>drugih</a:t>
+            </a:r>
+            <a:r>
+              <a:rPr lang="en-US" dirty="0"/>
+              <a:t> </a:t>
+            </a:r>
+            <a:r>
+              <a:rPr lang="en-US" dirty="0" err="1"/>
+              <a:t>pravila</a:t>
+            </a:r>
+            <a:endParaRPr lang="en-US" dirty="0"/>
+          </a:p>
+        </p:txBody>
+      </p:sp>
+    </p:spTree>
+    <p:extLst>
+      <p:ext uri="{BB962C8B-B14F-4D97-AF65-F5344CB8AC3E}">
+        <p14:creationId xmlns:p14="http://schemas.microsoft.com/office/powerpoint/2010/main" val="3232058594"/>
+      </p:ext>
+    </p:extLst>
+  </p:cSld>
+  <p:clrMapOvr>
+    <a:masterClrMapping/>
+  </p:clrMapOvr>
+</p:sld>
+</file>
+
+<file path=ppt/slides/slide23.xml><?xml version="1.0" encoding="utf-8"?>
+<p:sld xmlns:a="http://schemas.openxmlformats.org/drawingml/2006/main" xmlns:r="http://schemas.openxmlformats.org/officeDocument/2006/relationships" xmlns:p="http://schemas.openxmlformats.org/presentationml/2006/main">
+  <p:cSld>
+    <p:spTree>
+      <p:nvGrpSpPr>
+        <p:cNvPr id="1" name=""/>
+        <p:cNvGrpSpPr/>
+        <p:nvPr/>
+      </p:nvGrpSpPr>
+      <p:grpSpPr>
+        <a:xfrm>
+          <a:off x="0" y="0"/>
+          <a:ext cx="0" cy="0"/>
+          <a:chOff x="0" y="0"/>
+          <a:chExt cx="0" cy="0"/>
+        </a:xfrm>
+      </p:grpSpPr>
+      <p:sp>
+        <p:nvSpPr>
+          <p:cNvPr id="2" name="Title 1">
+            <a:extLst>
+              <a:ext uri="{FF2B5EF4-FFF2-40B4-BE49-F238E27FC236}">
+                <a16:creationId xmlns:a16="http://schemas.microsoft.com/office/drawing/2014/main" id="{77301B33-6F79-4AE2-AF67-CC8A2366EE77}"/>
+              </a:ext>
+            </a:extLst>
+          </p:cNvPr>
+          <p:cNvSpPr>
+            <a:spLocks noGrp="1"/>
+          </p:cNvSpPr>
+          <p:nvPr>
+            <p:ph type="title"/>
+          </p:nvPr>
+        </p:nvSpPr>
+        <p:spPr/>
+        <p:txBody>
+          <a:bodyPr/>
+          <a:lstStyle/>
+          <a:p>
+            <a:pPr algn="ctr"/>
+            <a:r>
+              <a:rPr lang="sr-Latn-RS" dirty="0"/>
+              <a:t>Rete algoritam - primer</a:t>
+            </a:r>
+            <a:endParaRPr lang="en-US" dirty="0"/>
+          </a:p>
+        </p:txBody>
+      </p:sp>
+      <p:sp>
+        <p:nvSpPr>
+          <p:cNvPr id="3" name="Content Placeholder 2">
+            <a:extLst>
+              <a:ext uri="{FF2B5EF4-FFF2-40B4-BE49-F238E27FC236}">
+                <a16:creationId xmlns:a16="http://schemas.microsoft.com/office/drawing/2014/main" id="{F83BC3F7-0E16-4A1A-8CEA-DF2A8A94AF24}"/>
+              </a:ext>
+            </a:extLst>
+          </p:cNvPr>
+          <p:cNvSpPr>
+            <a:spLocks noGrp="1"/>
+          </p:cNvSpPr>
+          <p:nvPr>
+            <p:ph idx="1"/>
+          </p:nvPr>
+        </p:nvSpPr>
+        <p:spPr/>
+        <p:txBody>
+          <a:bodyPr>
+            <a:normAutofit fontScale="77500" lnSpcReduction="20000"/>
+          </a:bodyPr>
+          <a:lstStyle/>
+          <a:p>
+            <a:r>
+              <a:rPr lang="en-US" dirty="0" err="1"/>
+              <a:t>Ako</a:t>
+            </a:r>
+            <a:r>
+              <a:rPr lang="en-US" dirty="0"/>
+              <a:t> je </a:t>
+            </a:r>
+            <a:r>
+              <a:rPr lang="en-US" dirty="0" err="1"/>
+              <a:t>ukupna</a:t>
+            </a:r>
+            <a:r>
+              <a:rPr lang="en-US" dirty="0"/>
+              <a:t> </a:t>
+            </a:r>
+            <a:r>
+              <a:rPr lang="en-US" dirty="0" err="1"/>
+              <a:t>kilometraža</a:t>
+            </a:r>
+            <a:r>
+              <a:rPr lang="en-US" dirty="0"/>
+              <a:t> </a:t>
+            </a:r>
+            <a:r>
+              <a:rPr lang="en-US" dirty="0" err="1"/>
+              <a:t>letova</a:t>
+            </a:r>
+            <a:r>
+              <a:rPr lang="en-US" dirty="0"/>
+              <a:t> u </a:t>
+            </a:r>
+            <a:r>
+              <a:rPr lang="en-US" dirty="0" err="1"/>
+              <a:t>prošloj</a:t>
+            </a:r>
+            <a:r>
+              <a:rPr lang="en-US" dirty="0"/>
+              <a:t> </a:t>
+            </a:r>
+            <a:r>
+              <a:rPr lang="en-US" dirty="0" err="1"/>
+              <a:t>ili</a:t>
+            </a:r>
+            <a:r>
+              <a:rPr lang="en-US" dirty="0"/>
+              <a:t> </a:t>
+            </a:r>
+            <a:r>
+              <a:rPr lang="en-US" dirty="0" err="1"/>
+              <a:t>tekućoj</a:t>
+            </a:r>
+            <a:r>
+              <a:rPr lang="en-US" dirty="0"/>
+              <a:t> </a:t>
+            </a:r>
+            <a:r>
+              <a:rPr lang="en-US" dirty="0" err="1"/>
+              <a:t>godini</a:t>
+            </a:r>
+            <a:r>
+              <a:rPr lang="en-US" dirty="0"/>
+              <a:t> &gt; 25000km </a:t>
+            </a:r>
+            <a:r>
+              <a:rPr lang="en-US" dirty="0" err="1"/>
+              <a:t>onda</a:t>
+            </a:r>
+            <a:r>
+              <a:rPr lang="en-US" dirty="0"/>
+              <a:t> je Status = </a:t>
+            </a:r>
+            <a:r>
+              <a:rPr lang="en-US" dirty="0" err="1"/>
+              <a:t>Srebrni</a:t>
+            </a:r>
+            <a:r>
+              <a:rPr lang="en-US" dirty="0"/>
+              <a:t> </a:t>
+            </a:r>
+          </a:p>
+          <a:p>
+            <a:r>
+              <a:rPr lang="en-US" dirty="0" err="1"/>
+              <a:t>Ako</a:t>
+            </a:r>
+            <a:r>
+              <a:rPr lang="en-US" dirty="0"/>
+              <a:t> je </a:t>
+            </a:r>
+            <a:r>
+              <a:rPr lang="en-US" dirty="0" err="1"/>
+              <a:t>ukupna</a:t>
+            </a:r>
+            <a:r>
+              <a:rPr lang="en-US" dirty="0"/>
+              <a:t> </a:t>
+            </a:r>
+            <a:r>
+              <a:rPr lang="en-US" dirty="0" err="1"/>
+              <a:t>kilometraža</a:t>
+            </a:r>
+            <a:r>
+              <a:rPr lang="en-US" dirty="0"/>
+              <a:t> </a:t>
+            </a:r>
+            <a:r>
+              <a:rPr lang="en-US" dirty="0" err="1"/>
+              <a:t>letova</a:t>
+            </a:r>
+            <a:r>
+              <a:rPr lang="en-US" dirty="0"/>
+              <a:t> u </a:t>
+            </a:r>
+            <a:r>
+              <a:rPr lang="en-US" dirty="0" err="1"/>
+              <a:t>prošloj</a:t>
+            </a:r>
+            <a:r>
+              <a:rPr lang="en-US" dirty="0"/>
+              <a:t> </a:t>
+            </a:r>
+            <a:r>
+              <a:rPr lang="en-US" dirty="0" err="1"/>
+              <a:t>ili</a:t>
+            </a:r>
+            <a:r>
+              <a:rPr lang="en-US" dirty="0"/>
+              <a:t> </a:t>
+            </a:r>
+            <a:r>
+              <a:rPr lang="en-US" dirty="0" err="1"/>
+              <a:t>tekućoj</a:t>
+            </a:r>
+            <a:r>
+              <a:rPr lang="en-US" dirty="0"/>
+              <a:t> </a:t>
+            </a:r>
+            <a:r>
+              <a:rPr lang="en-US" dirty="0" err="1"/>
+              <a:t>godini</a:t>
+            </a:r>
+            <a:r>
+              <a:rPr lang="en-US" dirty="0"/>
+              <a:t> &gt; 100000km </a:t>
+            </a:r>
+            <a:r>
+              <a:rPr lang="en-US" dirty="0" err="1"/>
+              <a:t>onda</a:t>
+            </a:r>
+            <a:r>
+              <a:rPr lang="en-US" dirty="0"/>
+              <a:t> je Status = </a:t>
+            </a:r>
+            <a:r>
+              <a:rPr lang="en-US" dirty="0" err="1"/>
+              <a:t>Zlatni</a:t>
+            </a:r>
+            <a:endParaRPr lang="en-US" dirty="0"/>
+          </a:p>
+          <a:p>
+            <a:r>
+              <a:rPr lang="en-US" dirty="0" err="1"/>
+              <a:t>Ako</a:t>
+            </a:r>
+            <a:r>
+              <a:rPr lang="en-US" dirty="0"/>
+              <a:t> je </a:t>
+            </a:r>
+            <a:r>
+              <a:rPr lang="en-US" dirty="0" err="1"/>
+              <a:t>kilometraža</a:t>
+            </a:r>
+            <a:r>
+              <a:rPr lang="en-US" dirty="0"/>
+              <a:t> </a:t>
+            </a:r>
+            <a:r>
+              <a:rPr lang="en-US" dirty="0" err="1"/>
+              <a:t>leta</a:t>
+            </a:r>
+            <a:r>
+              <a:rPr lang="en-US" dirty="0"/>
+              <a:t> </a:t>
+            </a:r>
+            <a:r>
+              <a:rPr lang="en-US" dirty="0" err="1"/>
+              <a:t>manja</a:t>
+            </a:r>
+            <a:r>
+              <a:rPr lang="en-US" dirty="0"/>
+              <a:t> od 500km </a:t>
+            </a:r>
+            <a:r>
+              <a:rPr lang="en-US" dirty="0" err="1"/>
+              <a:t>onda</a:t>
+            </a:r>
+            <a:r>
+              <a:rPr lang="en-US" dirty="0"/>
+              <a:t> </a:t>
+            </a:r>
+            <a:r>
+              <a:rPr lang="en-US" dirty="0" err="1"/>
+              <a:t>dodeli</a:t>
+            </a:r>
+            <a:r>
+              <a:rPr lang="en-US" dirty="0"/>
+              <a:t> 500km </a:t>
+            </a:r>
+            <a:r>
+              <a:rPr lang="en-US" dirty="0" err="1"/>
+              <a:t>na</a:t>
+            </a:r>
+            <a:r>
+              <a:rPr lang="en-US" dirty="0"/>
+              <a:t> </a:t>
+            </a:r>
+            <a:r>
+              <a:rPr lang="en-US" dirty="0" err="1"/>
+              <a:t>kilometražu</a:t>
+            </a:r>
+            <a:r>
+              <a:rPr lang="en-US" dirty="0"/>
+              <a:t> </a:t>
+            </a:r>
+            <a:r>
+              <a:rPr lang="en-US" dirty="0" err="1"/>
+              <a:t>leta</a:t>
+            </a:r>
+            <a:endParaRPr lang="en-US" dirty="0"/>
+          </a:p>
+          <a:p>
+            <a:r>
+              <a:rPr lang="en-US" dirty="0" err="1"/>
+              <a:t>Ako</a:t>
+            </a:r>
+            <a:r>
+              <a:rPr lang="en-US" dirty="0"/>
+              <a:t> je </a:t>
+            </a:r>
+            <a:r>
+              <a:rPr lang="en-US" dirty="0" err="1"/>
+              <a:t>kilometraža</a:t>
+            </a:r>
+            <a:r>
+              <a:rPr lang="en-US" dirty="0"/>
+              <a:t> </a:t>
+            </a:r>
+            <a:r>
+              <a:rPr lang="en-US" dirty="0" err="1"/>
+              <a:t>leta</a:t>
+            </a:r>
+            <a:r>
+              <a:rPr lang="en-US" dirty="0"/>
+              <a:t> </a:t>
+            </a:r>
+            <a:r>
+              <a:rPr lang="en-US" dirty="0" err="1"/>
+              <a:t>veća</a:t>
+            </a:r>
+            <a:r>
+              <a:rPr lang="en-US" dirty="0"/>
+              <a:t> od 500km </a:t>
+            </a:r>
+            <a:r>
+              <a:rPr lang="en-US" dirty="0" err="1"/>
+              <a:t>onda</a:t>
+            </a:r>
+            <a:r>
+              <a:rPr lang="en-US" dirty="0"/>
+              <a:t> </a:t>
+            </a:r>
+            <a:r>
+              <a:rPr lang="en-US" dirty="0" err="1"/>
+              <a:t>dodeli</a:t>
+            </a:r>
+            <a:r>
+              <a:rPr lang="en-US" dirty="0"/>
+              <a:t> </a:t>
+            </a:r>
+            <a:r>
+              <a:rPr lang="en-US" dirty="0" err="1"/>
+              <a:t>tu</a:t>
+            </a:r>
+            <a:r>
+              <a:rPr lang="en-US" dirty="0"/>
+              <a:t> </a:t>
+            </a:r>
+            <a:r>
+              <a:rPr lang="en-US" dirty="0" err="1"/>
+              <a:t>vrednost</a:t>
+            </a:r>
+            <a:r>
+              <a:rPr lang="en-US" dirty="0"/>
+              <a:t> </a:t>
+            </a:r>
+            <a:r>
+              <a:rPr lang="en-US" dirty="0" err="1"/>
+              <a:t>na</a:t>
+            </a:r>
+            <a:r>
+              <a:rPr lang="en-US" dirty="0"/>
+              <a:t> </a:t>
+            </a:r>
+            <a:r>
+              <a:rPr lang="en-US" dirty="0" err="1"/>
+              <a:t>kilometražu</a:t>
+            </a:r>
+            <a:r>
+              <a:rPr lang="en-US" dirty="0"/>
+              <a:t> </a:t>
+            </a:r>
+            <a:r>
+              <a:rPr lang="en-US" dirty="0" err="1"/>
+              <a:t>leta</a:t>
+            </a:r>
+            <a:endParaRPr lang="en-US" dirty="0"/>
+          </a:p>
+          <a:p>
+            <a:r>
+              <a:rPr lang="en-US" dirty="0" err="1"/>
+              <a:t>Ako</a:t>
+            </a:r>
+            <a:r>
+              <a:rPr lang="en-US" dirty="0"/>
+              <a:t> je </a:t>
+            </a:r>
+            <a:r>
+              <a:rPr lang="en-US" dirty="0" err="1"/>
+              <a:t>klasa</a:t>
+            </a:r>
+            <a:r>
+              <a:rPr lang="en-US" dirty="0"/>
+              <a:t> </a:t>
+            </a:r>
+            <a:r>
+              <a:rPr lang="en-US" dirty="0" err="1"/>
+              <a:t>biznis</a:t>
+            </a:r>
+            <a:r>
+              <a:rPr lang="en-US" dirty="0"/>
+              <a:t> </a:t>
+            </a:r>
+            <a:r>
+              <a:rPr lang="en-US" dirty="0" err="1"/>
+              <a:t>ili</a:t>
+            </a:r>
+            <a:r>
+              <a:rPr lang="en-US" dirty="0"/>
+              <a:t> </a:t>
+            </a:r>
+            <a:r>
+              <a:rPr lang="en-US" dirty="0" err="1"/>
+              <a:t>prva</a:t>
+            </a:r>
+            <a:r>
+              <a:rPr lang="en-US" dirty="0"/>
+              <a:t>, </a:t>
+            </a:r>
+            <a:r>
+              <a:rPr lang="en-US" dirty="0" err="1"/>
+              <a:t>dodeli</a:t>
+            </a:r>
+            <a:r>
+              <a:rPr lang="en-US" dirty="0"/>
+              <a:t> bonus 50% </a:t>
+            </a:r>
+            <a:r>
+              <a:rPr lang="en-US" dirty="0" err="1"/>
+              <a:t>na</a:t>
+            </a:r>
+            <a:r>
+              <a:rPr lang="en-US" dirty="0"/>
+              <a:t> </a:t>
+            </a:r>
+            <a:r>
+              <a:rPr lang="en-US" dirty="0" err="1"/>
+              <a:t>kilometražu</a:t>
+            </a:r>
+            <a:r>
+              <a:rPr lang="en-US" dirty="0"/>
+              <a:t> </a:t>
+            </a:r>
+            <a:r>
+              <a:rPr lang="en-US" dirty="0" err="1"/>
+              <a:t>leta</a:t>
+            </a:r>
+            <a:endParaRPr lang="en-US" dirty="0"/>
+          </a:p>
+          <a:p>
+            <a:r>
+              <a:rPr lang="en-US" dirty="0" err="1"/>
+              <a:t>Ako</a:t>
+            </a:r>
+            <a:r>
+              <a:rPr lang="en-US" dirty="0"/>
+              <a:t> je status </a:t>
+            </a:r>
+            <a:r>
+              <a:rPr lang="en-US" dirty="0" err="1"/>
+              <a:t>Zlatni</a:t>
+            </a:r>
+            <a:r>
+              <a:rPr lang="en-US" dirty="0"/>
+              <a:t> </a:t>
+            </a:r>
+            <a:r>
+              <a:rPr lang="en-US" dirty="0" err="1"/>
+              <a:t>i</a:t>
+            </a:r>
+            <a:r>
+              <a:rPr lang="en-US" dirty="0"/>
+              <a:t> </a:t>
+            </a:r>
+            <a:r>
+              <a:rPr lang="en-US" dirty="0" err="1"/>
+              <a:t>nije</a:t>
+            </a:r>
+            <a:r>
+              <a:rPr lang="en-US" dirty="0"/>
+              <a:t> partner let, </a:t>
+            </a:r>
+            <a:r>
+              <a:rPr lang="en-US" dirty="0" err="1"/>
+              <a:t>dodeli</a:t>
+            </a:r>
+            <a:r>
+              <a:rPr lang="en-US" dirty="0"/>
+              <a:t> bonus 100% </a:t>
+            </a:r>
+            <a:r>
+              <a:rPr lang="en-US" dirty="0" err="1"/>
+              <a:t>na</a:t>
+            </a:r>
+            <a:r>
+              <a:rPr lang="en-US" dirty="0"/>
+              <a:t> </a:t>
+            </a:r>
+            <a:r>
+              <a:rPr lang="en-US" dirty="0" err="1"/>
+              <a:t>kilometražu</a:t>
+            </a:r>
+            <a:r>
+              <a:rPr lang="en-US" dirty="0"/>
+              <a:t> </a:t>
+            </a:r>
+            <a:r>
+              <a:rPr lang="en-US" dirty="0" err="1"/>
+              <a:t>leta</a:t>
+            </a:r>
+            <a:endParaRPr lang="en-US" dirty="0"/>
+          </a:p>
+          <a:p>
+            <a:r>
+              <a:rPr lang="en-US" dirty="0" err="1"/>
+              <a:t>Ako</a:t>
+            </a:r>
+            <a:r>
+              <a:rPr lang="en-US" dirty="0"/>
+              <a:t> je status </a:t>
+            </a:r>
+            <a:r>
+              <a:rPr lang="en-US" dirty="0" err="1"/>
+              <a:t>Srebrni</a:t>
+            </a:r>
+            <a:r>
+              <a:rPr lang="en-US" dirty="0"/>
+              <a:t> </a:t>
+            </a:r>
+            <a:r>
+              <a:rPr lang="en-US" dirty="0" err="1"/>
+              <a:t>i</a:t>
+            </a:r>
+            <a:r>
+              <a:rPr lang="en-US" dirty="0"/>
+              <a:t> </a:t>
+            </a:r>
+            <a:r>
+              <a:rPr lang="en-US" dirty="0" err="1"/>
+              <a:t>nije</a:t>
+            </a:r>
+            <a:r>
+              <a:rPr lang="en-US" dirty="0"/>
+              <a:t> partner let, </a:t>
+            </a:r>
+            <a:r>
+              <a:rPr lang="en-US" dirty="0" err="1"/>
+              <a:t>dodeli</a:t>
+            </a:r>
+            <a:r>
+              <a:rPr lang="en-US" dirty="0"/>
+              <a:t> bonus 20% </a:t>
+            </a:r>
+            <a:r>
+              <a:rPr lang="en-US" dirty="0" err="1"/>
+              <a:t>na</a:t>
+            </a:r>
+            <a:r>
+              <a:rPr lang="en-US" dirty="0"/>
+              <a:t> </a:t>
+            </a:r>
+            <a:r>
+              <a:rPr lang="en-US" dirty="0" err="1"/>
+              <a:t>kilometražu</a:t>
+            </a:r>
+            <a:r>
+              <a:rPr lang="en-US" dirty="0"/>
+              <a:t> </a:t>
+            </a:r>
+            <a:r>
+              <a:rPr lang="en-US" dirty="0" err="1"/>
+              <a:t>leta</a:t>
+            </a:r>
+            <a:endParaRPr lang="en-US" dirty="0"/>
+          </a:p>
+          <a:p>
+            <a:r>
+              <a:rPr lang="en-US" dirty="0" err="1"/>
+              <a:t>Ako</a:t>
+            </a:r>
+            <a:r>
+              <a:rPr lang="en-US" dirty="0"/>
+              <a:t> je status </a:t>
+            </a:r>
+            <a:r>
+              <a:rPr lang="en-US" dirty="0" err="1"/>
+              <a:t>Srebrni</a:t>
+            </a:r>
+            <a:r>
+              <a:rPr lang="en-US" dirty="0"/>
+              <a:t> </a:t>
+            </a:r>
+            <a:r>
+              <a:rPr lang="en-US" dirty="0" err="1"/>
+              <a:t>i</a:t>
+            </a:r>
+            <a:r>
+              <a:rPr lang="en-US" dirty="0"/>
+              <a:t> u </a:t>
+            </a:r>
+            <a:r>
+              <a:rPr lang="en-US" dirty="0" err="1"/>
+              <a:t>toku</a:t>
+            </a:r>
+            <a:r>
+              <a:rPr lang="en-US" dirty="0"/>
+              <a:t> </a:t>
+            </a:r>
+            <a:r>
+              <a:rPr lang="en-US" dirty="0" err="1"/>
+              <a:t>jednog</a:t>
+            </a:r>
+            <a:r>
+              <a:rPr lang="en-US" dirty="0"/>
+              <a:t> </a:t>
+            </a:r>
+            <a:r>
+              <a:rPr lang="en-US" dirty="0" err="1"/>
+              <a:t>meseca</a:t>
+            </a:r>
+            <a:r>
+              <a:rPr lang="en-US" dirty="0"/>
+              <a:t> je </a:t>
+            </a:r>
+            <a:r>
+              <a:rPr lang="en-US" dirty="0" err="1"/>
+              <a:t>imao</a:t>
+            </a:r>
+            <a:r>
+              <a:rPr lang="en-US" dirty="0"/>
+              <a:t> </a:t>
+            </a:r>
+            <a:r>
+              <a:rPr lang="en-US" dirty="0" err="1"/>
+              <a:t>više</a:t>
+            </a:r>
+            <a:r>
+              <a:rPr lang="en-US" dirty="0"/>
+              <a:t> od 5 </a:t>
+            </a:r>
+            <a:r>
+              <a:rPr lang="en-US" dirty="0" err="1"/>
+              <a:t>letova</a:t>
+            </a:r>
+            <a:r>
+              <a:rPr lang="en-US" dirty="0"/>
+              <a:t>, </a:t>
+            </a:r>
+            <a:r>
+              <a:rPr lang="en-US" dirty="0" err="1"/>
+              <a:t>dodeli</a:t>
+            </a:r>
+            <a:r>
+              <a:rPr lang="en-US" dirty="0"/>
+              <a:t> bonus 1000km</a:t>
+            </a:r>
+          </a:p>
+          <a:p>
+            <a:r>
+              <a:rPr lang="en-US" dirty="0" err="1"/>
+              <a:t>Ako</a:t>
+            </a:r>
+            <a:r>
+              <a:rPr lang="en-US" dirty="0"/>
+              <a:t> je status </a:t>
+            </a:r>
+            <a:r>
+              <a:rPr lang="en-US" dirty="0" err="1"/>
+              <a:t>Zlatni</a:t>
+            </a:r>
+            <a:r>
+              <a:rPr lang="en-US" dirty="0"/>
+              <a:t> </a:t>
+            </a:r>
+            <a:r>
+              <a:rPr lang="en-US" dirty="0" err="1"/>
+              <a:t>i</a:t>
+            </a:r>
+            <a:r>
+              <a:rPr lang="en-US" dirty="0"/>
+              <a:t> u </a:t>
+            </a:r>
+            <a:r>
+              <a:rPr lang="en-US" dirty="0" err="1"/>
+              <a:t>toku</a:t>
+            </a:r>
+            <a:r>
+              <a:rPr lang="en-US" dirty="0"/>
+              <a:t> </a:t>
+            </a:r>
+            <a:r>
+              <a:rPr lang="en-US" dirty="0" err="1"/>
+              <a:t>jednog</a:t>
+            </a:r>
+            <a:r>
+              <a:rPr lang="en-US" dirty="0"/>
+              <a:t> </a:t>
+            </a:r>
+            <a:r>
+              <a:rPr lang="en-US" dirty="0" err="1"/>
+              <a:t>meseca</a:t>
+            </a:r>
+            <a:r>
+              <a:rPr lang="en-US" dirty="0"/>
+              <a:t> je </a:t>
+            </a:r>
+            <a:r>
+              <a:rPr lang="en-US" dirty="0" err="1"/>
+              <a:t>imao</a:t>
+            </a:r>
+            <a:r>
+              <a:rPr lang="en-US" dirty="0"/>
+              <a:t> </a:t>
+            </a:r>
+            <a:r>
+              <a:rPr lang="en-US" dirty="0" err="1"/>
+              <a:t>više</a:t>
+            </a:r>
+            <a:r>
+              <a:rPr lang="en-US" dirty="0"/>
+              <a:t> od 5 </a:t>
+            </a:r>
+            <a:r>
+              <a:rPr lang="en-US" dirty="0" err="1"/>
+              <a:t>letova</a:t>
+            </a:r>
+            <a:r>
+              <a:rPr lang="en-US" dirty="0"/>
+              <a:t>, </a:t>
+            </a:r>
+            <a:r>
+              <a:rPr lang="en-US" dirty="0" err="1"/>
+              <a:t>dodeli</a:t>
+            </a:r>
+            <a:r>
+              <a:rPr lang="en-US" dirty="0"/>
+              <a:t> bonus 3000km</a:t>
+            </a:r>
+          </a:p>
+          <a:p>
+            <a:endParaRPr lang="en-US" dirty="0"/>
+          </a:p>
+        </p:txBody>
+      </p:sp>
+    </p:spTree>
+    <p:extLst>
+      <p:ext uri="{BB962C8B-B14F-4D97-AF65-F5344CB8AC3E}">
+        <p14:creationId xmlns:p14="http://schemas.microsoft.com/office/powerpoint/2010/main" val="869873510"/>
+      </p:ext>
+    </p:extLst>
+  </p:cSld>
+  <p:clrMapOvr>
+    <a:masterClrMapping/>
+  </p:clrMapOvr>
+</p:sld>
+</file>
+
+<file path=ppt/slides/slide24.xml><?xml version="1.0" encoding="utf-8"?>
+<p:sld xmlns:a="http://schemas.openxmlformats.org/drawingml/2006/main" xmlns:r="http://schemas.openxmlformats.org/officeDocument/2006/relationships" xmlns:p="http://schemas.openxmlformats.org/presentationml/2006/main">
+  <p:cSld>
+    <p:spTree>
+      <p:nvGrpSpPr>
+        <p:cNvPr id="1" name=""/>
+        <p:cNvGrpSpPr/>
+        <p:nvPr/>
+      </p:nvGrpSpPr>
+      <p:grpSpPr>
+        <a:xfrm>
+          <a:off x="0" y="0"/>
+          <a:ext cx="0" cy="0"/>
+          <a:chOff x="0" y="0"/>
+          <a:chExt cx="0" cy="0"/>
+        </a:xfrm>
+      </p:grpSpPr>
+      <p:sp>
+        <p:nvSpPr>
+          <p:cNvPr id="2" name="Title 1">
+            <a:extLst>
+              <a:ext uri="{FF2B5EF4-FFF2-40B4-BE49-F238E27FC236}">
+                <a16:creationId xmlns:a16="http://schemas.microsoft.com/office/drawing/2014/main" id="{D7BA3513-03E5-4878-9C5A-0FE9670CA996}"/>
+              </a:ext>
+            </a:extLst>
+          </p:cNvPr>
+          <p:cNvSpPr>
+            <a:spLocks noGrp="1"/>
+          </p:cNvSpPr>
+          <p:nvPr>
+            <p:ph type="title"/>
+          </p:nvPr>
+        </p:nvSpPr>
+        <p:spPr/>
+        <p:txBody>
+          <a:bodyPr/>
+          <a:lstStyle/>
+          <a:p>
+            <a:pPr algn="ctr"/>
+            <a:r>
+              <a:rPr lang="sr-Latn-RS" dirty="0"/>
+              <a:t>Rete mreža</a:t>
+            </a:r>
+            <a:endParaRPr lang="en-US" dirty="0"/>
+          </a:p>
+        </p:txBody>
+      </p:sp>
+      <p:sp>
+        <p:nvSpPr>
+          <p:cNvPr id="3" name="Content Placeholder 2">
+            <a:extLst>
+              <a:ext uri="{FF2B5EF4-FFF2-40B4-BE49-F238E27FC236}">
+                <a16:creationId xmlns:a16="http://schemas.microsoft.com/office/drawing/2014/main" id="{A0376D8D-BEC5-4E85-AF12-44D0782FAE3B}"/>
+              </a:ext>
+            </a:extLst>
+          </p:cNvPr>
+          <p:cNvSpPr>
+            <a:spLocks noGrp="1"/>
+          </p:cNvSpPr>
+          <p:nvPr>
+            <p:ph idx="1"/>
+          </p:nvPr>
+        </p:nvSpPr>
+        <p:spPr/>
+        <p:txBody>
+          <a:bodyPr>
+            <a:normAutofit fontScale="85000" lnSpcReduction="20000"/>
+          </a:bodyPr>
+          <a:lstStyle/>
+          <a:p>
+            <a:r>
+              <a:rPr lang="sr-Latn-RS" dirty="0"/>
+              <a:t>P</a:t>
+            </a:r>
+            <a:r>
+              <a:rPr lang="en-US" dirty="0" err="1"/>
+              <a:t>redstavlja</a:t>
+            </a:r>
+            <a:r>
+              <a:rPr lang="en-US" dirty="0"/>
+              <a:t> </a:t>
+            </a:r>
+            <a:r>
+              <a:rPr lang="en-US" dirty="0" err="1"/>
+              <a:t>osnovu</a:t>
+            </a:r>
+            <a:r>
+              <a:rPr lang="en-US" dirty="0"/>
+              <a:t> </a:t>
+            </a:r>
+            <a:r>
+              <a:rPr lang="en-US" dirty="0" err="1"/>
+              <a:t>algoritma</a:t>
+            </a:r>
+            <a:endParaRPr lang="sr-Latn-RS" dirty="0"/>
+          </a:p>
+          <a:p>
+            <a:r>
+              <a:rPr lang="en-US" dirty="0" err="1"/>
+              <a:t>Sačinjena</a:t>
+            </a:r>
+            <a:r>
+              <a:rPr lang="en-US" dirty="0"/>
+              <a:t> je od </a:t>
+            </a:r>
+            <a:r>
+              <a:rPr lang="en-US" dirty="0" err="1"/>
+              <a:t>čvorova</a:t>
+            </a:r>
+            <a:r>
+              <a:rPr lang="en-US" dirty="0"/>
+              <a:t> </a:t>
+            </a:r>
+            <a:r>
+              <a:rPr lang="en-US" dirty="0" err="1"/>
+              <a:t>koji</a:t>
+            </a:r>
+            <a:r>
+              <a:rPr lang="en-US" dirty="0"/>
+              <a:t> </a:t>
+            </a:r>
+            <a:r>
+              <a:rPr lang="en-US" dirty="0" err="1"/>
+              <a:t>sadrže</a:t>
+            </a:r>
+            <a:r>
+              <a:rPr lang="en-US" dirty="0"/>
+              <a:t> </a:t>
+            </a:r>
+            <a:r>
+              <a:rPr lang="en-US" dirty="0" err="1"/>
+              <a:t>listu</a:t>
+            </a:r>
+            <a:r>
+              <a:rPr lang="en-US" dirty="0"/>
+              <a:t> </a:t>
+            </a:r>
+            <a:r>
+              <a:rPr lang="en-US" dirty="0" err="1"/>
+              <a:t>objekata</a:t>
+            </a:r>
+            <a:r>
+              <a:rPr lang="en-US" dirty="0"/>
+              <a:t> </a:t>
+            </a:r>
+            <a:r>
+              <a:rPr lang="en-US" dirty="0" err="1"/>
+              <a:t>koji</a:t>
+            </a:r>
+            <a:r>
+              <a:rPr lang="en-US" dirty="0"/>
+              <a:t> </a:t>
+            </a:r>
+            <a:r>
+              <a:rPr lang="en-US" dirty="0" err="1"/>
+              <a:t>zadovoljavaju</a:t>
+            </a:r>
+            <a:r>
+              <a:rPr lang="en-US" dirty="0"/>
+              <a:t> </a:t>
+            </a:r>
+            <a:r>
+              <a:rPr lang="en-US" dirty="0" err="1"/>
+              <a:t>određeni</a:t>
+            </a:r>
+            <a:r>
+              <a:rPr lang="en-US" dirty="0"/>
+              <a:t> </a:t>
+            </a:r>
+            <a:r>
+              <a:rPr lang="en-US" dirty="0" err="1"/>
+              <a:t>uslov</a:t>
+            </a:r>
+            <a:endParaRPr lang="sr-Latn-RS" dirty="0"/>
+          </a:p>
+          <a:p>
+            <a:r>
+              <a:rPr lang="sr-Latn-RS" dirty="0"/>
+              <a:t>P</a:t>
+            </a:r>
+            <a:r>
+              <a:rPr lang="en-US" dirty="0" err="1"/>
+              <a:t>rvi</a:t>
+            </a:r>
+            <a:r>
+              <a:rPr lang="en-US" dirty="0"/>
+              <a:t> deo Rete </a:t>
+            </a:r>
+            <a:r>
+              <a:rPr lang="en-US" dirty="0" err="1"/>
+              <a:t>mreže</a:t>
+            </a:r>
+            <a:r>
+              <a:rPr lang="sr-Latn-RS" dirty="0"/>
+              <a:t> je diskriminantno stablo - počinje sa alfa čvorovima koji se asociraju sa klasama i sve instance jedne klase su elementi jednog alfa čvora</a:t>
+            </a:r>
+          </a:p>
+          <a:p>
+            <a:r>
+              <a:rPr lang="en-US" dirty="0" err="1"/>
+              <a:t>Diskriminacija</a:t>
+            </a:r>
+            <a:r>
+              <a:rPr lang="en-US" dirty="0"/>
+              <a:t> se </a:t>
+            </a:r>
+            <a:r>
+              <a:rPr lang="en-US" dirty="0" err="1"/>
+              <a:t>dešava</a:t>
+            </a:r>
+            <a:r>
+              <a:rPr lang="en-US" dirty="0"/>
+              <a:t> </a:t>
+            </a:r>
+            <a:r>
+              <a:rPr lang="en-US" dirty="0" err="1"/>
+              <a:t>nakon</a:t>
+            </a:r>
+            <a:r>
+              <a:rPr lang="en-US" dirty="0"/>
+              <a:t> </a:t>
+            </a:r>
+            <a:r>
+              <a:rPr lang="en-US" dirty="0" err="1"/>
+              <a:t>što</a:t>
+            </a:r>
+            <a:r>
+              <a:rPr lang="en-US" dirty="0"/>
+              <a:t> </a:t>
+            </a:r>
+            <a:r>
+              <a:rPr lang="en-US" dirty="0" err="1"/>
+              <a:t>dodamo</a:t>
+            </a:r>
+            <a:r>
+              <a:rPr lang="en-US" dirty="0"/>
+              <a:t> </a:t>
+            </a:r>
+            <a:r>
+              <a:rPr lang="en-US" dirty="0" err="1"/>
+              <a:t>uslove</a:t>
+            </a:r>
+            <a:r>
+              <a:rPr lang="en-US" dirty="0"/>
+              <a:t> </a:t>
+            </a:r>
+            <a:r>
+              <a:rPr lang="en-US" dirty="0" err="1"/>
+              <a:t>pravila</a:t>
+            </a:r>
+            <a:r>
+              <a:rPr lang="sr-Latn-RS" dirty="0"/>
+              <a:t>, s</a:t>
+            </a:r>
+            <a:r>
+              <a:rPr lang="en-US" dirty="0" err="1"/>
+              <a:t>vaki</a:t>
+            </a:r>
+            <a:r>
+              <a:rPr lang="en-US" dirty="0"/>
+              <a:t> </a:t>
+            </a:r>
+            <a:r>
+              <a:rPr lang="en-US" dirty="0" err="1"/>
+              <a:t>novi</a:t>
+            </a:r>
+            <a:r>
+              <a:rPr lang="en-US" dirty="0"/>
+              <a:t> </a:t>
+            </a:r>
+            <a:r>
+              <a:rPr lang="en-US" dirty="0" err="1"/>
+              <a:t>čvor</a:t>
+            </a:r>
+            <a:r>
+              <a:rPr lang="en-US" dirty="0"/>
+              <a:t> </a:t>
+            </a:r>
+            <a:r>
+              <a:rPr lang="en-US" dirty="0" err="1"/>
+              <a:t>predstavlja</a:t>
+            </a:r>
+            <a:r>
+              <a:rPr lang="en-US" dirty="0"/>
+              <a:t> test </a:t>
+            </a:r>
+            <a:r>
+              <a:rPr lang="en-US" dirty="0" err="1"/>
+              <a:t>niza</a:t>
+            </a:r>
+            <a:r>
+              <a:rPr lang="en-US" dirty="0"/>
+              <a:t> </a:t>
+            </a:r>
+            <a:r>
+              <a:rPr lang="en-US" dirty="0" err="1"/>
+              <a:t>uslova</a:t>
+            </a:r>
+            <a:r>
+              <a:rPr lang="en-US" dirty="0"/>
+              <a:t> </a:t>
+            </a:r>
+            <a:r>
+              <a:rPr lang="en-US" dirty="0" err="1"/>
+              <a:t>koji</a:t>
+            </a:r>
+            <a:r>
+              <a:rPr lang="en-US" dirty="0"/>
+              <a:t> </a:t>
+            </a:r>
+            <a:r>
+              <a:rPr lang="en-US" dirty="0" err="1"/>
+              <a:t>su</a:t>
+            </a:r>
+            <a:r>
+              <a:rPr lang="en-US" dirty="0"/>
+              <a:t> </a:t>
+            </a:r>
+            <a:r>
+              <a:rPr lang="en-US" dirty="0" err="1"/>
+              <a:t>definisani</a:t>
+            </a:r>
+            <a:r>
+              <a:rPr lang="en-US" dirty="0"/>
+              <a:t> </a:t>
+            </a:r>
+            <a:r>
+              <a:rPr lang="en-US" dirty="0" err="1"/>
+              <a:t>na</a:t>
+            </a:r>
+            <a:r>
+              <a:rPr lang="en-US" dirty="0"/>
+              <a:t> </a:t>
+            </a:r>
+            <a:r>
+              <a:rPr lang="en-US" dirty="0" err="1"/>
+              <a:t>višim</a:t>
+            </a:r>
+            <a:r>
+              <a:rPr lang="en-US" dirty="0"/>
+              <a:t> </a:t>
+            </a:r>
+            <a:r>
+              <a:rPr lang="en-US" dirty="0" err="1"/>
+              <a:t>nivoima</a:t>
+            </a:r>
+            <a:r>
+              <a:rPr lang="sr-Latn-RS" dirty="0"/>
+              <a:t> – ovi čvorovi formiraju alfa mrežu</a:t>
+            </a:r>
+          </a:p>
+          <a:p>
+            <a:r>
+              <a:rPr lang="sr-Latn-RS" dirty="0"/>
+              <a:t>Na kraju, spajamo čvorove različitih klasa, i takvi čvorovi se nazivaju beta čvorovi, odnosno kombinacije liste objekata iz jedne grane koji zadovoljavaju određene uslove sa listama objekata iz druge grane koji takođe zadovoljavaju određene uslove – oni formiraju beta mrežu</a:t>
+            </a:r>
+          </a:p>
+          <a:p>
+            <a:r>
+              <a:rPr lang="sr-Latn-RS" dirty="0"/>
+              <a:t>Sve se završava akcijom pravila</a:t>
+            </a:r>
+            <a:endParaRPr lang="en-US" dirty="0"/>
+          </a:p>
+        </p:txBody>
+      </p:sp>
+    </p:spTree>
+    <p:extLst>
+      <p:ext uri="{BB962C8B-B14F-4D97-AF65-F5344CB8AC3E}">
+        <p14:creationId xmlns:p14="http://schemas.microsoft.com/office/powerpoint/2010/main" val="1306255496"/>
+      </p:ext>
+    </p:extLst>
+  </p:cSld>
+  <p:clrMapOvr>
+    <a:masterClrMapping/>
+  </p:clrMapOvr>
+</p:sld>
+</file>
+
+<file path=ppt/slides/slide25.xml><?xml version="1.0" encoding="utf-8"?>
+<p:sld xmlns:a="http://schemas.openxmlformats.org/drawingml/2006/main" xmlns:r="http://schemas.openxmlformats.org/officeDocument/2006/relationships" xmlns:p="http://schemas.openxmlformats.org/presentationml/2006/main">
+  <p:cSld>
+    <p:spTree>
+      <p:nvGrpSpPr>
+        <p:cNvPr id="1" name=""/>
+        <p:cNvGrpSpPr/>
+        <p:nvPr/>
+      </p:nvGrpSpPr>
+      <p:grpSpPr>
+        <a:xfrm>
+          <a:off x="0" y="0"/>
+          <a:ext cx="0" cy="0"/>
+          <a:chOff x="0" y="0"/>
+          <a:chExt cx="0" cy="0"/>
+        </a:xfrm>
+      </p:grpSpPr>
+      <p:sp>
+        <p:nvSpPr>
+          <p:cNvPr id="2" name="Title 1">
+            <a:extLst>
+              <a:ext uri="{FF2B5EF4-FFF2-40B4-BE49-F238E27FC236}">
+                <a16:creationId xmlns:a16="http://schemas.microsoft.com/office/drawing/2014/main" id="{36306AEC-CF83-437E-98A8-6E8A7F45164A}"/>
+              </a:ext>
+            </a:extLst>
+          </p:cNvPr>
+          <p:cNvSpPr>
+            <a:spLocks noGrp="1"/>
+          </p:cNvSpPr>
+          <p:nvPr>
+            <p:ph type="title"/>
+          </p:nvPr>
+        </p:nvSpPr>
+        <p:spPr/>
+        <p:txBody>
+          <a:bodyPr/>
+          <a:lstStyle/>
+          <a:p>
+            <a:pPr algn="ctr"/>
+            <a:r>
+              <a:rPr lang="sr-Latn-RS" dirty="0"/>
+              <a:t>Rete mreža - primer</a:t>
+            </a:r>
+            <a:endParaRPr lang="en-US" dirty="0"/>
+          </a:p>
+        </p:txBody>
+      </p:sp>
+      <p:pic>
+        <p:nvPicPr>
+          <p:cNvPr id="11" name="Content Placeholder 10">
+            <a:extLst>
+              <a:ext uri="{FF2B5EF4-FFF2-40B4-BE49-F238E27FC236}">
+                <a16:creationId xmlns:a16="http://schemas.microsoft.com/office/drawing/2014/main" id="{86C26BA9-2039-4D0F-BFD1-0B2B59DAF8A1}"/>
+              </a:ext>
+            </a:extLst>
+          </p:cNvPr>
+          <p:cNvPicPr>
+            <a:picLocks noGrp="1" noChangeAspect="1"/>
+          </p:cNvPicPr>
+          <p:nvPr>
+            <p:ph idx="1"/>
+          </p:nvPr>
+        </p:nvPicPr>
+        <p:blipFill>
+          <a:blip r:embed="rId2">
+            <a:extLst>
+              <a:ext uri="{28A0092B-C50C-407E-A947-70E740481C1C}">
+                <a14:useLocalDpi xmlns:a14="http://schemas.microsoft.com/office/drawing/2010/main" val="0"/>
+              </a:ext>
+            </a:extLst>
+          </a:blip>
+          <a:stretch>
+            <a:fillRect/>
+          </a:stretch>
+        </p:blipFill>
+        <p:spPr>
+          <a:xfrm>
+            <a:off x="1981200" y="2040836"/>
+            <a:ext cx="8229600" cy="3264348"/>
+          </a:xfrm>
+        </p:spPr>
+      </p:pic>
+    </p:spTree>
+    <p:extLst>
+      <p:ext uri="{BB962C8B-B14F-4D97-AF65-F5344CB8AC3E}">
+        <p14:creationId xmlns:p14="http://schemas.microsoft.com/office/powerpoint/2010/main" val="3228007389"/>
+      </p:ext>
+    </p:extLst>
+  </p:cSld>
+  <p:clrMapOvr>
+    <a:masterClrMapping/>
+  </p:clrMapOvr>
+</p:sld>
+</file>
+
+<file path=ppt/slides/slide26.xml><?xml version="1.0" encoding="utf-8"?>
+<p:sld xmlns:a="http://schemas.openxmlformats.org/drawingml/2006/main" xmlns:r="http://schemas.openxmlformats.org/officeDocument/2006/relationships" xmlns:p="http://schemas.openxmlformats.org/presentationml/2006/main">
+  <p:cSld>
+    <p:spTree>
+      <p:nvGrpSpPr>
+        <p:cNvPr id="1" name=""/>
+        <p:cNvGrpSpPr/>
+        <p:nvPr/>
+      </p:nvGrpSpPr>
+      <p:grpSpPr>
+        <a:xfrm>
+          <a:off x="0" y="0"/>
+          <a:ext cx="0" cy="0"/>
+          <a:chOff x="0" y="0"/>
+          <a:chExt cx="0" cy="0"/>
+        </a:xfrm>
+      </p:grpSpPr>
+      <p:sp>
+        <p:nvSpPr>
+          <p:cNvPr id="2" name="Title 1">
+            <a:extLst>
+              <a:ext uri="{FF2B5EF4-FFF2-40B4-BE49-F238E27FC236}">
+                <a16:creationId xmlns:a16="http://schemas.microsoft.com/office/drawing/2014/main" id="{3F4265B4-C02F-4413-83E1-25AFDADFB5C3}"/>
+              </a:ext>
+            </a:extLst>
+          </p:cNvPr>
+          <p:cNvSpPr>
+            <a:spLocks noGrp="1"/>
+          </p:cNvSpPr>
+          <p:nvPr>
+            <p:ph type="title"/>
+          </p:nvPr>
+        </p:nvSpPr>
+        <p:spPr/>
+        <p:txBody>
+          <a:bodyPr/>
+          <a:lstStyle/>
+          <a:p>
+            <a:pPr algn="ctr"/>
+            <a:r>
+              <a:rPr lang="sr-Latn-RS" dirty="0"/>
+              <a:t>Rete mreža - primer</a:t>
+            </a:r>
+            <a:endParaRPr lang="en-US" dirty="0"/>
+          </a:p>
+        </p:txBody>
+      </p:sp>
+      <p:pic>
+        <p:nvPicPr>
+          <p:cNvPr id="5" name="Content Placeholder 4">
+            <a:extLst>
+              <a:ext uri="{FF2B5EF4-FFF2-40B4-BE49-F238E27FC236}">
+                <a16:creationId xmlns:a16="http://schemas.microsoft.com/office/drawing/2014/main" id="{FBD43102-969F-40E7-B9FF-03B103F59241}"/>
+              </a:ext>
+            </a:extLst>
+          </p:cNvPr>
+          <p:cNvPicPr>
+            <a:picLocks noGrp="1" noChangeAspect="1"/>
+          </p:cNvPicPr>
+          <p:nvPr>
+            <p:ph idx="1"/>
+          </p:nvPr>
+        </p:nvPicPr>
+        <p:blipFill>
+          <a:blip r:embed="rId2">
+            <a:extLst>
+              <a:ext uri="{28A0092B-C50C-407E-A947-70E740481C1C}">
+                <a14:useLocalDpi xmlns:a14="http://schemas.microsoft.com/office/drawing/2010/main" val="0"/>
+              </a:ext>
+            </a:extLst>
+          </a:blip>
+          <a:stretch>
+            <a:fillRect/>
+          </a:stretch>
+        </p:blipFill>
+        <p:spPr>
+          <a:xfrm>
+            <a:off x="1186069" y="1497495"/>
+            <a:ext cx="9819861" cy="4705972"/>
+          </a:xfrm>
+        </p:spPr>
+      </p:pic>
+    </p:spTree>
+    <p:extLst>
+      <p:ext uri="{BB962C8B-B14F-4D97-AF65-F5344CB8AC3E}">
+        <p14:creationId xmlns:p14="http://schemas.microsoft.com/office/powerpoint/2010/main" val="2407266479"/>
+      </p:ext>
+    </p:extLst>
+  </p:cSld>
+  <p:clrMapOvr>
+    <a:masterClrMapping/>
+  </p:clrMapOvr>
+</p:sld>
+</file>
+
+<file path=ppt/slides/slide27.xml><?xml version="1.0" encoding="utf-8"?>
+<p:sld xmlns:a="http://schemas.openxmlformats.org/drawingml/2006/main" xmlns:r="http://schemas.openxmlformats.org/officeDocument/2006/relationships" xmlns:p="http://schemas.openxmlformats.org/presentationml/2006/main">
+  <p:cSld>
+    <p:spTree>
+      <p:nvGrpSpPr>
+        <p:cNvPr id="1" name=""/>
+        <p:cNvGrpSpPr/>
+        <p:nvPr/>
+      </p:nvGrpSpPr>
+      <p:grpSpPr>
+        <a:xfrm>
+          <a:off x="0" y="0"/>
+          <a:ext cx="0" cy="0"/>
+          <a:chOff x="0" y="0"/>
+          <a:chExt cx="0" cy="0"/>
+        </a:xfrm>
+      </p:grpSpPr>
+      <p:sp>
+        <p:nvSpPr>
+          <p:cNvPr id="2" name="Title 1">
+            <a:extLst>
+              <a:ext uri="{FF2B5EF4-FFF2-40B4-BE49-F238E27FC236}">
+                <a16:creationId xmlns:a16="http://schemas.microsoft.com/office/drawing/2014/main" id="{62240BC2-9CFF-4095-AC7D-07428405D218}"/>
+              </a:ext>
+            </a:extLst>
+          </p:cNvPr>
+          <p:cNvSpPr>
+            <a:spLocks noGrp="1"/>
+          </p:cNvSpPr>
+          <p:nvPr>
+            <p:ph type="title"/>
+          </p:nvPr>
+        </p:nvSpPr>
+        <p:spPr/>
+        <p:txBody>
+          <a:bodyPr/>
+          <a:lstStyle/>
+          <a:p>
+            <a:pPr algn="ctr"/>
+            <a:r>
+              <a:rPr lang="sr-Latn-RS" dirty="0"/>
+              <a:t>Rete algoritam</a:t>
+            </a:r>
+            <a:endParaRPr lang="en-US" dirty="0"/>
+          </a:p>
+        </p:txBody>
+      </p:sp>
+      <p:sp>
+        <p:nvSpPr>
+          <p:cNvPr id="3" name="Content Placeholder 2">
+            <a:extLst>
+              <a:ext uri="{FF2B5EF4-FFF2-40B4-BE49-F238E27FC236}">
+                <a16:creationId xmlns:a16="http://schemas.microsoft.com/office/drawing/2014/main" id="{A1CDA1B3-0940-424C-A934-A9D040A04A8F}"/>
+              </a:ext>
+            </a:extLst>
+          </p:cNvPr>
+          <p:cNvSpPr>
+            <a:spLocks noGrp="1"/>
+          </p:cNvSpPr>
+          <p:nvPr>
+            <p:ph idx="1"/>
+          </p:nvPr>
+        </p:nvSpPr>
+        <p:spPr/>
+        <p:txBody>
+          <a:bodyPr>
+            <a:normAutofit fontScale="92500" lnSpcReduction="20000"/>
+          </a:bodyPr>
+          <a:lstStyle/>
+          <a:p>
+            <a:r>
+              <a:rPr lang="sr-Latn-RS" dirty="0"/>
+              <a:t>Faza evaluacije - puštanje podataka kroz Rete mrežu, da bi se identifikovala relevantna pravila čiji su uslovi zadovoljeni</a:t>
+            </a:r>
+          </a:p>
+          <a:p>
+            <a:r>
+              <a:rPr lang="sr-Latn-RS" dirty="0"/>
+              <a:t>Faza izvršavanja - za pravila čiji su svi uslovi zadovoljeni kažemo da su aktivna u agendi. Agenda sadrži listu svih pravila koja trebaju da se izvrše, zajedno sa listom svih objekata koji su uticali na to da pravilo dospe u agendu. Agenda će sortirati pravila na osnovu prioriteta izvršavanja, ili nekog drugog mehanizma razrešenja konflikta</a:t>
+            </a:r>
+          </a:p>
+          <a:p>
+            <a:r>
+              <a:rPr lang="sr-Latn-RS" dirty="0"/>
+              <a:t>Ponavljanje ciklusa - nakon izvršavanja prvog pravila, činjenice se ponovo propagiraju, i ukoliko je došlo do promene nad činjenicama, odgovarajuća pravila će se ponovo evaluirati, i to samo ona za koja su relevantna polja promenjena. Ona pravila koja su već prošla evaluaciju i čija relevantna polja nisu promenjena, ostaju u memoriji i neće se ponovo evaluirati.</a:t>
+            </a:r>
+          </a:p>
+          <a:p>
+            <a:r>
+              <a:rPr lang="sr-Latn-RS" dirty="0"/>
+              <a:t>Varijacije Rete algoritma: Rete II, Rete III, Rete NT</a:t>
+            </a:r>
+            <a:endParaRPr lang="en-US" dirty="0"/>
+          </a:p>
+        </p:txBody>
+      </p:sp>
+    </p:spTree>
+    <p:extLst>
+      <p:ext uri="{BB962C8B-B14F-4D97-AF65-F5344CB8AC3E}">
+        <p14:creationId xmlns:p14="http://schemas.microsoft.com/office/powerpoint/2010/main" val="3714341027"/>
+      </p:ext>
+    </p:extLst>
+  </p:cSld>
+  <p:clrMapOvr>
+    <a:masterClrMapping/>
+  </p:clrMapOvr>
+</p:sld>
+</file>
+
+<file path=ppt/slides/slide28.xml><?xml version="1.0" encoding="utf-8"?>
+<p:sld xmlns:a="http://schemas.openxmlformats.org/drawingml/2006/main" xmlns:r="http://schemas.openxmlformats.org/officeDocument/2006/relationships" xmlns:p="http://schemas.openxmlformats.org/presentationml/2006/main">
+  <p:cSld>
+    <p:spTree>
+      <p:nvGrpSpPr>
+        <p:cNvPr id="1" name=""/>
+        <p:cNvGrpSpPr/>
+        <p:nvPr/>
+      </p:nvGrpSpPr>
+      <p:grpSpPr>
+        <a:xfrm>
+          <a:off x="0" y="0"/>
+          <a:ext cx="0" cy="0"/>
+          <a:chOff x="0" y="0"/>
+          <a:chExt cx="0" cy="0"/>
+        </a:xfrm>
+      </p:grpSpPr>
+      <p:sp>
+        <p:nvSpPr>
+          <p:cNvPr id="2" name="Title 1">
+            <a:extLst>
+              <a:ext uri="{FF2B5EF4-FFF2-40B4-BE49-F238E27FC236}">
+                <a16:creationId xmlns:a16="http://schemas.microsoft.com/office/drawing/2014/main" id="{9003B15B-00C1-4AA0-A1AA-77265467C87C}"/>
+              </a:ext>
+            </a:extLst>
+          </p:cNvPr>
+          <p:cNvSpPr>
+            <a:spLocks noGrp="1"/>
+          </p:cNvSpPr>
+          <p:nvPr>
+            <p:ph type="title"/>
+          </p:nvPr>
+        </p:nvSpPr>
+        <p:spPr/>
+        <p:txBody>
+          <a:bodyPr/>
+          <a:lstStyle/>
+          <a:p>
+            <a:pPr algn="ctr"/>
+            <a:r>
+              <a:rPr lang="sr-Latn-RS" dirty="0"/>
+              <a:t>Rete algoritam – grafički prikaz</a:t>
+            </a:r>
+            <a:endParaRPr lang="en-US" dirty="0"/>
+          </a:p>
+        </p:txBody>
+      </p:sp>
+      <p:pic>
+        <p:nvPicPr>
+          <p:cNvPr id="5" name="Content Placeholder 4">
+            <a:extLst>
+              <a:ext uri="{FF2B5EF4-FFF2-40B4-BE49-F238E27FC236}">
+                <a16:creationId xmlns:a16="http://schemas.microsoft.com/office/drawing/2014/main" id="{687B27E7-E06A-4E99-B367-1AF4BB6DF736}"/>
+              </a:ext>
+            </a:extLst>
+          </p:cNvPr>
+          <p:cNvPicPr>
+            <a:picLocks noGrp="1" noChangeAspect="1"/>
+          </p:cNvPicPr>
+          <p:nvPr>
+            <p:ph idx="1"/>
+          </p:nvPr>
+        </p:nvPicPr>
+        <p:blipFill>
+          <a:blip r:embed="rId2">
+            <a:extLst>
+              <a:ext uri="{28A0092B-C50C-407E-A947-70E740481C1C}">
+                <a14:useLocalDpi xmlns:a14="http://schemas.microsoft.com/office/drawing/2010/main" val="0"/>
+              </a:ext>
+            </a:extLst>
+          </a:blip>
+          <a:stretch>
+            <a:fillRect/>
+          </a:stretch>
+        </p:blipFill>
+        <p:spPr>
+          <a:xfrm>
+            <a:off x="1689652" y="1351722"/>
+            <a:ext cx="8812696" cy="5274365"/>
+          </a:xfrm>
+        </p:spPr>
+      </p:pic>
+    </p:spTree>
+    <p:extLst>
+      <p:ext uri="{BB962C8B-B14F-4D97-AF65-F5344CB8AC3E}">
+        <p14:creationId xmlns:p14="http://schemas.microsoft.com/office/powerpoint/2010/main" val="2557099408"/>
+      </p:ext>
+    </p:extLst>
+  </p:cSld>
+  <p:clrMapOvr>
+    <a:masterClrMapping/>
+  </p:clrMapOvr>
+</p:sld>
+</file>
+
+<file path=ppt/slides/slide29.xml><?xml version="1.0" encoding="utf-8"?>
+<p:sld xmlns:a="http://schemas.openxmlformats.org/drawingml/2006/main" xmlns:r="http://schemas.openxmlformats.org/officeDocument/2006/relationships" xmlns:p="http://schemas.openxmlformats.org/presentationml/2006/main">
+  <p:cSld>
+    <p:spTree>
+      <p:nvGrpSpPr>
+        <p:cNvPr id="1" name=""/>
+        <p:cNvGrpSpPr/>
+        <p:nvPr/>
+      </p:nvGrpSpPr>
+      <p:grpSpPr>
+        <a:xfrm>
+          <a:off x="0" y="0"/>
+          <a:ext cx="0" cy="0"/>
+          <a:chOff x="0" y="0"/>
+          <a:chExt cx="0" cy="0"/>
+        </a:xfrm>
+      </p:grpSpPr>
+      <p:sp>
+        <p:nvSpPr>
+          <p:cNvPr id="2" name="Title 1">
+            <a:extLst>
+              <a:ext uri="{FF2B5EF4-FFF2-40B4-BE49-F238E27FC236}">
+                <a16:creationId xmlns:a16="http://schemas.microsoft.com/office/drawing/2014/main" id="{AD175AB6-F2FE-46EF-A04A-44C0D9C2C7ED}"/>
+              </a:ext>
+            </a:extLst>
+          </p:cNvPr>
+          <p:cNvSpPr>
+            <a:spLocks noGrp="1"/>
+          </p:cNvSpPr>
+          <p:nvPr>
+            <p:ph type="title"/>
+          </p:nvPr>
+        </p:nvSpPr>
+        <p:spPr/>
+        <p:txBody>
+          <a:bodyPr/>
+          <a:lstStyle/>
+          <a:p>
+            <a:pPr algn="ctr"/>
+            <a:r>
+              <a:rPr lang="sr-Latn-RS" dirty="0"/>
+              <a:t>Poslovne web aplikacije</a:t>
+            </a:r>
+            <a:endParaRPr lang="en-US" dirty="0"/>
+          </a:p>
+        </p:txBody>
+      </p:sp>
+      <p:sp>
+        <p:nvSpPr>
+          <p:cNvPr id="3" name="Content Placeholder 2">
+            <a:extLst>
+              <a:ext uri="{FF2B5EF4-FFF2-40B4-BE49-F238E27FC236}">
+                <a16:creationId xmlns:a16="http://schemas.microsoft.com/office/drawing/2014/main" id="{B120A228-F9FA-4467-B8FC-CE16675DED63}"/>
+              </a:ext>
+            </a:extLst>
+          </p:cNvPr>
+          <p:cNvSpPr>
+            <a:spLocks noGrp="1"/>
+          </p:cNvSpPr>
+          <p:nvPr>
+            <p:ph idx="1"/>
+          </p:nvPr>
+        </p:nvSpPr>
+        <p:spPr/>
+        <p:txBody>
+          <a:bodyPr>
+            <a:normAutofit lnSpcReduction="10000"/>
+          </a:bodyPr>
+          <a:lstStyle/>
+          <a:p>
+            <a:r>
+              <a:rPr lang="sr-Latn-RS" dirty="0"/>
+              <a:t>K</a:t>
+            </a:r>
+            <a:r>
+              <a:rPr lang="nn-NO" dirty="0"/>
+              <a:t>lijentsko-serverski softver koji koristi web pretraživač za prikazivanje interfejsa, i server za čuvanje podataka</a:t>
+            </a:r>
+            <a:endParaRPr lang="sr-Latn-RS" dirty="0"/>
+          </a:p>
+          <a:p>
+            <a:r>
+              <a:rPr lang="sr-Latn-RS" dirty="0"/>
+              <a:t>O</a:t>
+            </a:r>
+            <a:r>
+              <a:rPr lang="en-US" dirty="0" err="1"/>
+              <a:t>mogućuju</a:t>
+            </a:r>
+            <a:r>
+              <a:rPr lang="en-US" dirty="0"/>
+              <a:t> </a:t>
+            </a:r>
+            <a:r>
+              <a:rPr lang="en-US" dirty="0" err="1"/>
+              <a:t>upravljanje</a:t>
+            </a:r>
+            <a:r>
+              <a:rPr lang="en-US" dirty="0"/>
+              <a:t> </a:t>
+            </a:r>
+            <a:r>
+              <a:rPr lang="en-US" dirty="0" err="1"/>
+              <a:t>i</a:t>
+            </a:r>
+            <a:r>
+              <a:rPr lang="en-US" dirty="0"/>
+              <a:t> </a:t>
+            </a:r>
+            <a:r>
+              <a:rPr lang="en-US" dirty="0" err="1"/>
+              <a:t>snimanje</a:t>
+            </a:r>
+            <a:r>
+              <a:rPr lang="en-US" dirty="0"/>
+              <a:t> </a:t>
+            </a:r>
+            <a:r>
+              <a:rPr lang="en-US" dirty="0" err="1"/>
+              <a:t>svih</a:t>
+            </a:r>
+            <a:r>
+              <a:rPr lang="en-US" dirty="0"/>
+              <a:t> </a:t>
+            </a:r>
+            <a:r>
+              <a:rPr lang="en-US" dirty="0" err="1"/>
+              <a:t>internih</a:t>
+            </a:r>
+            <a:r>
+              <a:rPr lang="en-US" dirty="0"/>
+              <a:t> </a:t>
+            </a:r>
+            <a:r>
+              <a:rPr lang="en-US" dirty="0" err="1"/>
+              <a:t>i</a:t>
+            </a:r>
+            <a:r>
+              <a:rPr lang="en-US" dirty="0"/>
+              <a:t> </a:t>
+            </a:r>
+            <a:r>
+              <a:rPr lang="en-US" dirty="0" err="1"/>
+              <a:t>eksternih</a:t>
+            </a:r>
+            <a:r>
+              <a:rPr lang="en-US" dirty="0"/>
+              <a:t> </a:t>
+            </a:r>
+            <a:r>
+              <a:rPr lang="en-US" dirty="0" err="1"/>
+              <a:t>operacija</a:t>
+            </a:r>
+            <a:r>
+              <a:rPr lang="en-US" dirty="0"/>
+              <a:t> </a:t>
+            </a:r>
+            <a:r>
+              <a:rPr lang="en-US" dirty="0" err="1"/>
+              <a:t>i</a:t>
+            </a:r>
+            <a:r>
+              <a:rPr lang="en-US" dirty="0"/>
+              <a:t> </a:t>
+            </a:r>
+            <a:r>
+              <a:rPr lang="en-US" dirty="0" err="1"/>
+              <a:t>procesa</a:t>
+            </a:r>
+            <a:r>
+              <a:rPr lang="en-US" dirty="0"/>
+              <a:t> </a:t>
+            </a:r>
+            <a:r>
+              <a:rPr lang="en-US" dirty="0" err="1"/>
+              <a:t>unutar</a:t>
+            </a:r>
+            <a:r>
+              <a:rPr lang="en-US" dirty="0"/>
+              <a:t> </a:t>
+            </a:r>
+            <a:r>
+              <a:rPr lang="en-US" dirty="0" err="1"/>
+              <a:t>kompanije</a:t>
+            </a:r>
+            <a:endParaRPr lang="sr-Latn-RS" dirty="0"/>
+          </a:p>
+          <a:p>
+            <a:r>
+              <a:rPr lang="en-US" dirty="0"/>
+              <a:t>Svi </a:t>
+            </a:r>
+            <a:r>
+              <a:rPr lang="en-US" dirty="0" err="1"/>
+              <a:t>mogu</a:t>
+            </a:r>
+            <a:r>
+              <a:rPr lang="en-US" dirty="0"/>
+              <a:t> da </a:t>
+            </a:r>
+            <a:r>
+              <a:rPr lang="en-US" dirty="0" err="1"/>
+              <a:t>pristupe</a:t>
+            </a:r>
+            <a:r>
+              <a:rPr lang="en-US" dirty="0"/>
+              <a:t> web </a:t>
+            </a:r>
+            <a:r>
+              <a:rPr lang="en-US" dirty="0" err="1"/>
+              <a:t>aplikaciji</a:t>
+            </a:r>
+            <a:r>
+              <a:rPr lang="en-US" dirty="0"/>
+              <a:t> </a:t>
+            </a:r>
+            <a:r>
+              <a:rPr lang="en-US" dirty="0" err="1"/>
+              <a:t>sa</a:t>
+            </a:r>
+            <a:r>
+              <a:rPr lang="en-US" dirty="0"/>
+              <a:t> </a:t>
+            </a:r>
+            <a:r>
+              <a:rPr lang="en-US" dirty="0" err="1"/>
+              <a:t>bilo</a:t>
+            </a:r>
+            <a:r>
+              <a:rPr lang="en-US" dirty="0"/>
+              <a:t> </a:t>
+            </a:r>
+            <a:r>
+              <a:rPr lang="en-US" dirty="0" err="1"/>
+              <a:t>kog</a:t>
+            </a:r>
+            <a:r>
+              <a:rPr lang="en-US" dirty="0"/>
+              <a:t> </a:t>
+            </a:r>
+            <a:r>
+              <a:rPr lang="en-US" dirty="0" err="1"/>
+              <a:t>računara</a:t>
+            </a:r>
+            <a:r>
+              <a:rPr lang="en-US" dirty="0"/>
+              <a:t> </a:t>
+            </a:r>
+            <a:r>
+              <a:rPr lang="en-US" dirty="0" err="1"/>
+              <a:t>koji</a:t>
+            </a:r>
+            <a:r>
+              <a:rPr lang="en-US" dirty="0"/>
+              <a:t> je </a:t>
+            </a:r>
+            <a:r>
+              <a:rPr lang="en-US" dirty="0" err="1"/>
+              <a:t>povezan</a:t>
+            </a:r>
+            <a:r>
+              <a:rPr lang="en-US" dirty="0"/>
+              <a:t> </a:t>
+            </a:r>
+            <a:r>
+              <a:rPr lang="en-US" dirty="0" err="1"/>
+              <a:t>na</a:t>
+            </a:r>
+            <a:r>
+              <a:rPr lang="en-US" dirty="0"/>
+              <a:t> internet, </a:t>
+            </a:r>
+            <a:r>
+              <a:rPr lang="en-US" dirty="0" err="1"/>
+              <a:t>putem</a:t>
+            </a:r>
+            <a:r>
+              <a:rPr lang="en-US" dirty="0"/>
+              <a:t> </a:t>
+            </a:r>
+            <a:r>
+              <a:rPr lang="en-US" dirty="0" err="1"/>
+              <a:t>standardnih</a:t>
+            </a:r>
+            <a:r>
+              <a:rPr lang="en-US" dirty="0"/>
+              <a:t> </a:t>
+            </a:r>
+            <a:r>
+              <a:rPr lang="sr-Latn-RS" dirty="0"/>
+              <a:t>web </a:t>
+            </a:r>
+            <a:r>
+              <a:rPr lang="en-US" dirty="0" err="1"/>
+              <a:t>pretraživača</a:t>
+            </a:r>
+            <a:endParaRPr lang="en-US" dirty="0"/>
+          </a:p>
+          <a:p>
+            <a:r>
+              <a:rPr lang="en-US" dirty="0" err="1"/>
+              <a:t>Bitno</a:t>
+            </a:r>
+            <a:r>
+              <a:rPr lang="en-US" dirty="0"/>
+              <a:t> je </a:t>
+            </a:r>
+            <a:r>
+              <a:rPr lang="en-US" dirty="0" err="1"/>
+              <a:t>naglasiti</a:t>
+            </a:r>
+            <a:r>
+              <a:rPr lang="en-US" dirty="0"/>
+              <a:t> da </a:t>
+            </a:r>
+            <a:r>
+              <a:rPr lang="en-US" dirty="0" err="1"/>
+              <a:t>postoji</a:t>
+            </a:r>
+            <a:r>
+              <a:rPr lang="en-US" dirty="0"/>
+              <a:t> </a:t>
+            </a:r>
+            <a:r>
+              <a:rPr lang="en-US" dirty="0" err="1"/>
+              <a:t>razlika</a:t>
+            </a:r>
+            <a:r>
+              <a:rPr lang="en-US" dirty="0"/>
+              <a:t> </a:t>
+            </a:r>
+            <a:r>
+              <a:rPr lang="en-US" dirty="0" err="1"/>
+              <a:t>između</a:t>
+            </a:r>
+            <a:r>
+              <a:rPr lang="en-US" dirty="0"/>
+              <a:t> web </a:t>
+            </a:r>
+            <a:r>
+              <a:rPr lang="en-US" dirty="0" err="1"/>
+              <a:t>sajtova</a:t>
+            </a:r>
+            <a:r>
+              <a:rPr lang="en-US" dirty="0"/>
+              <a:t> </a:t>
+            </a:r>
+            <a:r>
+              <a:rPr lang="en-US" dirty="0" err="1"/>
+              <a:t>i</a:t>
+            </a:r>
+            <a:r>
+              <a:rPr lang="en-US" dirty="0"/>
+              <a:t> web </a:t>
+            </a:r>
+            <a:r>
+              <a:rPr lang="en-US" dirty="0" err="1"/>
+              <a:t>aplikacija</a:t>
+            </a:r>
+            <a:r>
+              <a:rPr lang="en-US" dirty="0"/>
+              <a:t>: web </a:t>
+            </a:r>
+            <a:r>
+              <a:rPr lang="en-US" dirty="0" err="1"/>
+              <a:t>sajt</a:t>
+            </a:r>
+            <a:r>
+              <a:rPr lang="en-US" dirty="0"/>
+              <a:t> </a:t>
+            </a:r>
+            <a:r>
+              <a:rPr lang="en-US" dirty="0" err="1"/>
+              <a:t>uglavnom</a:t>
+            </a:r>
+            <a:r>
+              <a:rPr lang="en-US" dirty="0"/>
+              <a:t> </a:t>
+            </a:r>
+            <a:r>
+              <a:rPr lang="en-US" dirty="0" err="1"/>
+              <a:t>nudi</a:t>
+            </a:r>
+            <a:r>
+              <a:rPr lang="en-US" dirty="0"/>
+              <a:t> </a:t>
+            </a:r>
+            <a:r>
+              <a:rPr lang="en-US" dirty="0" err="1"/>
+              <a:t>statički</a:t>
+            </a:r>
+            <a:r>
+              <a:rPr lang="en-US" dirty="0"/>
+              <a:t> </a:t>
+            </a:r>
+            <a:r>
+              <a:rPr lang="en-US" dirty="0" err="1"/>
+              <a:t>sadržaj</a:t>
+            </a:r>
+            <a:r>
+              <a:rPr lang="en-US" dirty="0"/>
+              <a:t>, </a:t>
+            </a:r>
+            <a:r>
+              <a:rPr lang="en-US" dirty="0" err="1"/>
+              <a:t>i</a:t>
+            </a:r>
+            <a:r>
+              <a:rPr lang="en-US" dirty="0"/>
+              <a:t> </a:t>
+            </a:r>
+            <a:r>
+              <a:rPr lang="en-US" dirty="0" err="1"/>
+              <a:t>ograničenu</a:t>
+            </a:r>
+            <a:r>
+              <a:rPr lang="en-US" dirty="0"/>
+              <a:t> </a:t>
+            </a:r>
+            <a:r>
+              <a:rPr lang="en-US" dirty="0" err="1"/>
+              <a:t>funkcionalnost</a:t>
+            </a:r>
+            <a:r>
+              <a:rPr lang="en-US" dirty="0"/>
+              <a:t> </a:t>
+            </a:r>
+            <a:r>
+              <a:rPr lang="en-US" dirty="0" err="1"/>
+              <a:t>sa</a:t>
+            </a:r>
+            <a:r>
+              <a:rPr lang="en-US" dirty="0"/>
+              <a:t> </a:t>
+            </a:r>
+            <a:r>
+              <a:rPr lang="en-US" dirty="0" err="1"/>
+              <a:t>interaktivne</a:t>
+            </a:r>
+            <a:r>
+              <a:rPr lang="en-US" dirty="0"/>
+              <a:t> </a:t>
+            </a:r>
+            <a:r>
+              <a:rPr lang="en-US" dirty="0" err="1"/>
+              <a:t>tačke</a:t>
+            </a:r>
+            <a:r>
+              <a:rPr lang="en-US" dirty="0"/>
+              <a:t> </a:t>
+            </a:r>
+            <a:r>
+              <a:rPr lang="en-US" dirty="0" err="1"/>
+              <a:t>gledišta</a:t>
+            </a:r>
+            <a:r>
+              <a:rPr lang="en-US" dirty="0"/>
+              <a:t> – </a:t>
+            </a:r>
+            <a:r>
+              <a:rPr lang="en-US" dirty="0" err="1"/>
+              <a:t>primarna</a:t>
+            </a:r>
+            <a:r>
+              <a:rPr lang="en-US" dirty="0"/>
+              <a:t> </a:t>
+            </a:r>
+            <a:r>
+              <a:rPr lang="en-US" dirty="0" err="1"/>
+              <a:t>uloga</a:t>
+            </a:r>
+            <a:r>
+              <a:rPr lang="en-US" dirty="0"/>
+              <a:t> je </a:t>
+            </a:r>
+            <a:r>
+              <a:rPr lang="en-US" dirty="0" err="1"/>
+              <a:t>prikaz</a:t>
+            </a:r>
+            <a:r>
+              <a:rPr lang="en-US" dirty="0"/>
+              <a:t> </a:t>
+            </a:r>
+            <a:r>
+              <a:rPr lang="en-US" dirty="0" err="1"/>
+              <a:t>informacija</a:t>
+            </a:r>
+            <a:r>
+              <a:rPr lang="en-US" dirty="0"/>
+              <a:t>, </a:t>
+            </a:r>
+            <a:r>
+              <a:rPr lang="en-US" dirty="0" err="1"/>
+              <a:t>dok</a:t>
+            </a:r>
+            <a:r>
+              <a:rPr lang="en-US" dirty="0"/>
+              <a:t> web </a:t>
+            </a:r>
+            <a:r>
+              <a:rPr lang="en-US" dirty="0" err="1"/>
+              <a:t>aplikacije</a:t>
+            </a:r>
+            <a:r>
+              <a:rPr lang="en-US" dirty="0"/>
+              <a:t>, </a:t>
+            </a:r>
+            <a:r>
+              <a:rPr lang="en-US" dirty="0" err="1"/>
+              <a:t>sa</a:t>
+            </a:r>
+            <a:r>
+              <a:rPr lang="en-US" dirty="0"/>
+              <a:t> </a:t>
+            </a:r>
+            <a:r>
+              <a:rPr lang="en-US" dirty="0" err="1"/>
+              <a:t>druge</a:t>
+            </a:r>
+            <a:r>
+              <a:rPr lang="en-US" dirty="0"/>
+              <a:t> </a:t>
+            </a:r>
+            <a:r>
+              <a:rPr lang="en-US" dirty="0" err="1"/>
+              <a:t>strane</a:t>
+            </a:r>
+            <a:r>
+              <a:rPr lang="en-US" dirty="0"/>
+              <a:t>, </a:t>
+            </a:r>
+            <a:r>
+              <a:rPr lang="en-US" dirty="0" err="1"/>
+              <a:t>su</a:t>
+            </a:r>
+            <a:r>
+              <a:rPr lang="en-US" dirty="0"/>
+              <a:t> </a:t>
+            </a:r>
+            <a:r>
+              <a:rPr lang="en-US" dirty="0" err="1"/>
+              <a:t>dinamičke</a:t>
+            </a:r>
+            <a:r>
+              <a:rPr lang="en-US" dirty="0"/>
+              <a:t> </a:t>
+            </a:r>
+            <a:r>
+              <a:rPr lang="en-US" dirty="0" err="1"/>
+              <a:t>i</a:t>
+            </a:r>
+            <a:r>
+              <a:rPr lang="en-US" dirty="0"/>
+              <a:t> </a:t>
+            </a:r>
+            <a:r>
+              <a:rPr lang="en-US" dirty="0" err="1"/>
+              <a:t>interaktivne</a:t>
+            </a:r>
+            <a:r>
+              <a:rPr lang="en-US" dirty="0"/>
+              <a:t>, </a:t>
+            </a:r>
+            <a:r>
+              <a:rPr lang="en-US" dirty="0" err="1"/>
+              <a:t>i</a:t>
+            </a:r>
+            <a:r>
+              <a:rPr lang="en-US" dirty="0"/>
+              <a:t> </a:t>
+            </a:r>
+            <a:r>
+              <a:rPr lang="en-US" dirty="0" err="1"/>
+              <a:t>obično</a:t>
+            </a:r>
+            <a:r>
+              <a:rPr lang="en-US" dirty="0"/>
+              <a:t> </a:t>
+            </a:r>
+            <a:r>
+              <a:rPr lang="en-US" dirty="0" err="1"/>
+              <a:t>su</a:t>
+            </a:r>
+            <a:r>
+              <a:rPr lang="en-US" dirty="0"/>
+              <a:t> </a:t>
+            </a:r>
+            <a:r>
+              <a:rPr lang="en-US" dirty="0" err="1"/>
+              <a:t>zadužene</a:t>
+            </a:r>
+            <a:r>
+              <a:rPr lang="en-US" dirty="0"/>
+              <a:t> za </a:t>
+            </a:r>
+            <a:r>
+              <a:rPr lang="en-US" dirty="0" err="1"/>
+              <a:t>obavljanje</a:t>
+            </a:r>
+            <a:r>
+              <a:rPr lang="en-US" dirty="0"/>
+              <a:t> </a:t>
+            </a:r>
+            <a:r>
+              <a:rPr lang="en-US" dirty="0" err="1"/>
+              <a:t>kompleksnih</a:t>
+            </a:r>
+            <a:r>
+              <a:rPr lang="en-US" dirty="0"/>
+              <a:t> </a:t>
+            </a:r>
+            <a:r>
+              <a:rPr lang="en-US" dirty="0" err="1"/>
+              <a:t>zadataka</a:t>
+            </a:r>
+            <a:r>
+              <a:rPr lang="en-US" dirty="0"/>
+              <a:t> </a:t>
+            </a:r>
+          </a:p>
+        </p:txBody>
+      </p:sp>
+    </p:spTree>
+    <p:extLst>
+      <p:ext uri="{BB962C8B-B14F-4D97-AF65-F5344CB8AC3E}">
+        <p14:creationId xmlns:p14="http://schemas.microsoft.com/office/powerpoint/2010/main" val="3874802376"/>
+      </p:ext>
+    </p:extLst>
+  </p:cSld>
+  <p:clrMapOvr>
+    <a:masterClrMapping/>
+  </p:clrMapOvr>
+</p:sld>
+</file>
+
 <file path=ppt/slides/slide3.xml><?xml version="1.0" encoding="utf-8"?>
 <p:sld xmlns:a="http://schemas.openxmlformats.org/drawingml/2006/main" xmlns:r="http://schemas.openxmlformats.org/officeDocument/2006/relationships" xmlns:p="http://schemas.openxmlformats.org/presentationml/2006/main">
   <p:cSld>
@@ -8054,6 +11003,2581 @@
     <p:extLst>
       <p:ext uri="{BB962C8B-B14F-4D97-AF65-F5344CB8AC3E}">
         <p14:creationId xmlns:p14="http://schemas.microsoft.com/office/powerpoint/2010/main" val="2001941412"/>
+      </p:ext>
+    </p:extLst>
+  </p:cSld>
+  <p:clrMapOvr>
+    <a:masterClrMapping/>
+  </p:clrMapOvr>
+</p:sld>
+</file>
+
+<file path=ppt/slides/slide30.xml><?xml version="1.0" encoding="utf-8"?>
+<p:sld xmlns:a="http://schemas.openxmlformats.org/drawingml/2006/main" xmlns:r="http://schemas.openxmlformats.org/officeDocument/2006/relationships" xmlns:p="http://schemas.openxmlformats.org/presentationml/2006/main">
+  <p:cSld>
+    <p:spTree>
+      <p:nvGrpSpPr>
+        <p:cNvPr id="1" name=""/>
+        <p:cNvGrpSpPr/>
+        <p:nvPr/>
+      </p:nvGrpSpPr>
+      <p:grpSpPr>
+        <a:xfrm>
+          <a:off x="0" y="0"/>
+          <a:ext cx="0" cy="0"/>
+          <a:chOff x="0" y="0"/>
+          <a:chExt cx="0" cy="0"/>
+        </a:xfrm>
+      </p:grpSpPr>
+      <p:sp>
+        <p:nvSpPr>
+          <p:cNvPr id="2" name="Title 1">
+            <a:extLst>
+              <a:ext uri="{FF2B5EF4-FFF2-40B4-BE49-F238E27FC236}">
+                <a16:creationId xmlns:a16="http://schemas.microsoft.com/office/drawing/2014/main" id="{B485496B-5E1E-4D86-A2CF-FEE100F01141}"/>
+              </a:ext>
+            </a:extLst>
+          </p:cNvPr>
+          <p:cNvSpPr>
+            <a:spLocks noGrp="1"/>
+          </p:cNvSpPr>
+          <p:nvPr>
+            <p:ph type="title"/>
+          </p:nvPr>
+        </p:nvSpPr>
+        <p:spPr/>
+        <p:txBody>
+          <a:bodyPr/>
+          <a:lstStyle/>
+          <a:p>
+            <a:pPr algn="ctr"/>
+            <a:r>
+              <a:rPr lang="en-US" dirty="0"/>
+              <a:t>Redo</a:t>
+            </a:r>
+            <a:r>
+              <a:rPr lang="sr-Latn-RS" dirty="0"/>
+              <a:t>sled akcija u web aplikaciji</a:t>
+            </a:r>
+            <a:endParaRPr lang="en-US" dirty="0"/>
+          </a:p>
+        </p:txBody>
+      </p:sp>
+      <p:sp>
+        <p:nvSpPr>
+          <p:cNvPr id="3" name="Content Placeholder 2">
+            <a:extLst>
+              <a:ext uri="{FF2B5EF4-FFF2-40B4-BE49-F238E27FC236}">
+                <a16:creationId xmlns:a16="http://schemas.microsoft.com/office/drawing/2014/main" id="{83E00205-0E2B-4FE1-8458-DAD08DCB5499}"/>
+              </a:ext>
+            </a:extLst>
+          </p:cNvPr>
+          <p:cNvSpPr>
+            <a:spLocks noGrp="1"/>
+          </p:cNvSpPr>
+          <p:nvPr>
+            <p:ph idx="1"/>
+          </p:nvPr>
+        </p:nvSpPr>
+        <p:spPr/>
+        <p:txBody>
+          <a:bodyPr/>
+          <a:lstStyle/>
+          <a:p>
+            <a:r>
+              <a:rPr lang="en-US" dirty="0" err="1"/>
+              <a:t>Korisnik</a:t>
+            </a:r>
+            <a:r>
+              <a:rPr lang="en-US" dirty="0"/>
+              <a:t> </a:t>
+            </a:r>
+            <a:r>
+              <a:rPr lang="en-US" dirty="0" err="1"/>
+              <a:t>upućuje</a:t>
+            </a:r>
+            <a:r>
+              <a:rPr lang="en-US" dirty="0"/>
+              <a:t> </a:t>
+            </a:r>
+            <a:r>
+              <a:rPr lang="en-US" dirty="0" err="1"/>
+              <a:t>zahtev</a:t>
+            </a:r>
+            <a:r>
+              <a:rPr lang="en-US" dirty="0"/>
+              <a:t> </a:t>
+            </a:r>
+            <a:r>
+              <a:rPr lang="en-US" dirty="0" err="1"/>
+              <a:t>preko</a:t>
+            </a:r>
+            <a:r>
+              <a:rPr lang="en-US" dirty="0"/>
+              <a:t> </a:t>
+            </a:r>
+            <a:r>
+              <a:rPr lang="en-US" dirty="0" err="1"/>
+              <a:t>interfejsa</a:t>
+            </a:r>
+            <a:r>
+              <a:rPr lang="en-US" dirty="0"/>
+              <a:t> </a:t>
+            </a:r>
+            <a:r>
+              <a:rPr lang="en-US" dirty="0" err="1"/>
+              <a:t>na</a:t>
+            </a:r>
+            <a:r>
+              <a:rPr lang="en-US" dirty="0"/>
+              <a:t> </a:t>
+            </a:r>
+            <a:r>
+              <a:rPr lang="en-US" dirty="0" err="1"/>
+              <a:t>pretraživaču</a:t>
+            </a:r>
+            <a:r>
+              <a:rPr lang="en-US" dirty="0"/>
+              <a:t> (</a:t>
+            </a:r>
+            <a:r>
+              <a:rPr lang="en-US" dirty="0" err="1"/>
+              <a:t>tzv</a:t>
+            </a:r>
+            <a:r>
+              <a:rPr lang="en-US" dirty="0"/>
+              <a:t>. </a:t>
+            </a:r>
+            <a:r>
+              <a:rPr lang="en-US" i="1" dirty="0"/>
+              <a:t>frontend</a:t>
+            </a:r>
+            <a:r>
+              <a:rPr lang="sr-Latn-RS" i="1" dirty="0"/>
+              <a:t> – </a:t>
+            </a:r>
+            <a:r>
+              <a:rPr lang="sr-Latn-RS" dirty="0"/>
+              <a:t>klijentska strana</a:t>
+            </a:r>
+            <a:r>
+              <a:rPr lang="en-US" dirty="0"/>
+              <a:t>), </a:t>
+            </a:r>
+            <a:r>
+              <a:rPr lang="en-US" dirty="0" err="1"/>
+              <a:t>koji</a:t>
+            </a:r>
+            <a:r>
+              <a:rPr lang="en-US" dirty="0"/>
+              <a:t> se </a:t>
+            </a:r>
+            <a:r>
+              <a:rPr lang="en-US" dirty="0" err="1"/>
+              <a:t>prosleđuje</a:t>
+            </a:r>
+            <a:r>
+              <a:rPr lang="en-US" dirty="0"/>
+              <a:t> ka </a:t>
+            </a:r>
+            <a:r>
+              <a:rPr lang="en-US" dirty="0" err="1"/>
+              <a:t>serverskoj</a:t>
+            </a:r>
+            <a:r>
+              <a:rPr lang="en-US" dirty="0"/>
+              <a:t> </a:t>
+            </a:r>
+            <a:r>
+              <a:rPr lang="en-US" dirty="0" err="1"/>
+              <a:t>mašini</a:t>
+            </a:r>
+            <a:endParaRPr lang="en-US" dirty="0"/>
+          </a:p>
+          <a:p>
+            <a:r>
+              <a:rPr lang="en-US" dirty="0"/>
+              <a:t>Server </a:t>
+            </a:r>
+            <a:r>
+              <a:rPr lang="en-US" dirty="0" err="1"/>
+              <a:t>prosleđuje</a:t>
+            </a:r>
+            <a:r>
+              <a:rPr lang="en-US" dirty="0"/>
+              <a:t> </a:t>
+            </a:r>
+            <a:r>
+              <a:rPr lang="en-US" dirty="0" err="1"/>
+              <a:t>zahtev</a:t>
+            </a:r>
+            <a:r>
+              <a:rPr lang="en-US" dirty="0"/>
+              <a:t> </a:t>
+            </a:r>
+            <a:r>
+              <a:rPr lang="en-US" dirty="0" err="1"/>
+              <a:t>odgovarajućoj</a:t>
+            </a:r>
+            <a:r>
+              <a:rPr lang="en-US" dirty="0"/>
+              <a:t> web </a:t>
+            </a:r>
+            <a:r>
+              <a:rPr lang="en-US" dirty="0" err="1"/>
+              <a:t>aplikaciji</a:t>
+            </a:r>
+            <a:r>
+              <a:rPr lang="en-US" dirty="0"/>
+              <a:t> (</a:t>
+            </a:r>
+            <a:r>
+              <a:rPr lang="en-US" dirty="0" err="1"/>
+              <a:t>tzv</a:t>
+            </a:r>
+            <a:r>
+              <a:rPr lang="en-US" dirty="0"/>
+              <a:t>. </a:t>
+            </a:r>
+            <a:r>
+              <a:rPr lang="en-US" i="1" dirty="0"/>
+              <a:t>backend</a:t>
+            </a:r>
+            <a:r>
+              <a:rPr lang="en-US" dirty="0"/>
+              <a:t>)</a:t>
+            </a:r>
+          </a:p>
+          <a:p>
+            <a:r>
+              <a:rPr lang="en-US" dirty="0"/>
+              <a:t>Web </a:t>
+            </a:r>
+            <a:r>
+              <a:rPr lang="en-US" dirty="0" err="1"/>
+              <a:t>aplikacija</a:t>
+            </a:r>
+            <a:r>
+              <a:rPr lang="en-US" dirty="0"/>
+              <a:t> </a:t>
+            </a:r>
+            <a:r>
+              <a:rPr lang="en-US" dirty="0" err="1"/>
+              <a:t>izvršava</a:t>
+            </a:r>
+            <a:r>
+              <a:rPr lang="en-US" dirty="0"/>
+              <a:t> </a:t>
+            </a:r>
+            <a:r>
+              <a:rPr lang="en-US" dirty="0" err="1"/>
+              <a:t>zadatak</a:t>
+            </a:r>
+            <a:r>
+              <a:rPr lang="en-US" dirty="0"/>
+              <a:t> </a:t>
+            </a:r>
+            <a:r>
+              <a:rPr lang="en-US" dirty="0" err="1"/>
+              <a:t>i</a:t>
+            </a:r>
+            <a:r>
+              <a:rPr lang="en-US" dirty="0"/>
+              <a:t> </a:t>
+            </a:r>
+            <a:r>
+              <a:rPr lang="en-US" dirty="0" err="1"/>
+              <a:t>generiše</a:t>
+            </a:r>
+            <a:r>
+              <a:rPr lang="en-US" dirty="0"/>
+              <a:t> </a:t>
+            </a:r>
+            <a:r>
+              <a:rPr lang="en-US" dirty="0" err="1"/>
+              <a:t>izveštaj</a:t>
+            </a:r>
+            <a:endParaRPr lang="en-US" dirty="0"/>
+          </a:p>
+          <a:p>
+            <a:r>
+              <a:rPr lang="en-US" dirty="0"/>
+              <a:t>Web </a:t>
+            </a:r>
+            <a:r>
+              <a:rPr lang="en-US" dirty="0" err="1"/>
+              <a:t>aplikacija</a:t>
+            </a:r>
+            <a:r>
+              <a:rPr lang="en-US" dirty="0"/>
+              <a:t> </a:t>
+            </a:r>
+            <a:r>
+              <a:rPr lang="en-US" dirty="0" err="1"/>
+              <a:t>šalje</a:t>
+            </a:r>
+            <a:r>
+              <a:rPr lang="en-US" dirty="0"/>
+              <a:t> </a:t>
+            </a:r>
+            <a:r>
+              <a:rPr lang="en-US" dirty="0" err="1"/>
+              <a:t>odgovor</a:t>
+            </a:r>
+            <a:r>
+              <a:rPr lang="en-US" dirty="0"/>
+              <a:t> </a:t>
+            </a:r>
+            <a:r>
+              <a:rPr lang="en-US" dirty="0" err="1"/>
+              <a:t>serveru</a:t>
+            </a:r>
+            <a:endParaRPr lang="en-US" dirty="0"/>
+          </a:p>
+          <a:p>
+            <a:r>
+              <a:rPr lang="en-US" dirty="0"/>
+              <a:t>Server </a:t>
+            </a:r>
+            <a:r>
+              <a:rPr lang="en-US" dirty="0" err="1"/>
+              <a:t>šalje</a:t>
+            </a:r>
+            <a:r>
+              <a:rPr lang="en-US" dirty="0"/>
+              <a:t> </a:t>
+            </a:r>
+            <a:r>
+              <a:rPr lang="en-US" dirty="0" err="1"/>
+              <a:t>procesuirane</a:t>
+            </a:r>
+            <a:r>
+              <a:rPr lang="en-US" dirty="0"/>
+              <a:t> </a:t>
+            </a:r>
+            <a:r>
+              <a:rPr lang="en-US" dirty="0" err="1"/>
+              <a:t>podatke</a:t>
+            </a:r>
+            <a:r>
+              <a:rPr lang="en-US" dirty="0"/>
+              <a:t> </a:t>
+            </a:r>
+            <a:r>
+              <a:rPr lang="en-US" dirty="0" err="1"/>
+              <a:t>pretraživaču</a:t>
+            </a:r>
+            <a:r>
+              <a:rPr lang="en-US" dirty="0"/>
+              <a:t>, </a:t>
+            </a:r>
+            <a:r>
+              <a:rPr lang="en-US" dirty="0" err="1"/>
+              <a:t>koji</a:t>
+            </a:r>
+            <a:r>
+              <a:rPr lang="en-US" dirty="0"/>
+              <a:t> </a:t>
+            </a:r>
+            <a:r>
+              <a:rPr lang="en-US" dirty="0" err="1"/>
+              <a:t>ih</a:t>
+            </a:r>
+            <a:r>
+              <a:rPr lang="en-US" dirty="0"/>
+              <a:t> </a:t>
+            </a:r>
+            <a:r>
+              <a:rPr lang="en-US" dirty="0" err="1"/>
+              <a:t>onda</a:t>
+            </a:r>
+            <a:r>
+              <a:rPr lang="en-US" dirty="0"/>
+              <a:t> </a:t>
+            </a:r>
+            <a:r>
+              <a:rPr lang="en-US" dirty="0" err="1"/>
+              <a:t>prikazuje</a:t>
+            </a:r>
+            <a:r>
+              <a:rPr lang="en-US" dirty="0"/>
+              <a:t> </a:t>
+            </a:r>
+            <a:r>
+              <a:rPr lang="en-US" dirty="0" err="1"/>
+              <a:t>korisniku</a:t>
+            </a:r>
+            <a:endParaRPr lang="en-US" dirty="0"/>
+          </a:p>
+          <a:p>
+            <a:endParaRPr lang="en-US" dirty="0"/>
+          </a:p>
+        </p:txBody>
+      </p:sp>
+    </p:spTree>
+    <p:extLst>
+      <p:ext uri="{BB962C8B-B14F-4D97-AF65-F5344CB8AC3E}">
+        <p14:creationId xmlns:p14="http://schemas.microsoft.com/office/powerpoint/2010/main" val="298632250"/>
+      </p:ext>
+    </p:extLst>
+  </p:cSld>
+  <p:clrMapOvr>
+    <a:masterClrMapping/>
+  </p:clrMapOvr>
+</p:sld>
+</file>
+
+<file path=ppt/slides/slide31.xml><?xml version="1.0" encoding="utf-8"?>
+<p:sld xmlns:a="http://schemas.openxmlformats.org/drawingml/2006/main" xmlns:r="http://schemas.openxmlformats.org/officeDocument/2006/relationships" xmlns:p="http://schemas.openxmlformats.org/presentationml/2006/main">
+  <p:cSld>
+    <p:spTree>
+      <p:nvGrpSpPr>
+        <p:cNvPr id="1" name=""/>
+        <p:cNvGrpSpPr/>
+        <p:nvPr/>
+      </p:nvGrpSpPr>
+      <p:grpSpPr>
+        <a:xfrm>
+          <a:off x="0" y="0"/>
+          <a:ext cx="0" cy="0"/>
+          <a:chOff x="0" y="0"/>
+          <a:chExt cx="0" cy="0"/>
+        </a:xfrm>
+      </p:grpSpPr>
+      <p:sp>
+        <p:nvSpPr>
+          <p:cNvPr id="2" name="Title 1">
+            <a:extLst>
+              <a:ext uri="{FF2B5EF4-FFF2-40B4-BE49-F238E27FC236}">
+                <a16:creationId xmlns:a16="http://schemas.microsoft.com/office/drawing/2014/main" id="{39DAB821-46B3-490F-9411-1C77BFDB7B5B}"/>
+              </a:ext>
+            </a:extLst>
+          </p:cNvPr>
+          <p:cNvSpPr>
+            <a:spLocks noGrp="1"/>
+          </p:cNvSpPr>
+          <p:nvPr>
+            <p:ph type="title"/>
+          </p:nvPr>
+        </p:nvSpPr>
+        <p:spPr/>
+        <p:txBody>
+          <a:bodyPr/>
+          <a:lstStyle/>
+          <a:p>
+            <a:pPr algn="ctr"/>
+            <a:r>
+              <a:rPr lang="sr-Latn-RS" dirty="0"/>
+              <a:t>Arhitektura web aplikacije</a:t>
+            </a:r>
+            <a:endParaRPr lang="en-US" dirty="0"/>
+          </a:p>
+        </p:txBody>
+      </p:sp>
+      <p:pic>
+        <p:nvPicPr>
+          <p:cNvPr id="5" name="Content Placeholder 4">
+            <a:extLst>
+              <a:ext uri="{FF2B5EF4-FFF2-40B4-BE49-F238E27FC236}">
+                <a16:creationId xmlns:a16="http://schemas.microsoft.com/office/drawing/2014/main" id="{3EE72C72-A91F-4CD8-91EF-DE9E1062EA5F}"/>
+              </a:ext>
+            </a:extLst>
+          </p:cNvPr>
+          <p:cNvPicPr>
+            <a:picLocks noGrp="1" noChangeAspect="1"/>
+          </p:cNvPicPr>
+          <p:nvPr>
+            <p:ph idx="1"/>
+          </p:nvPr>
+        </p:nvPicPr>
+        <p:blipFill>
+          <a:blip r:embed="rId2">
+            <a:extLst>
+              <a:ext uri="{28A0092B-C50C-407E-A947-70E740481C1C}">
+                <a14:useLocalDpi xmlns:a14="http://schemas.microsoft.com/office/drawing/2010/main" val="0"/>
+              </a:ext>
+            </a:extLst>
+          </a:blip>
+          <a:stretch>
+            <a:fillRect/>
+          </a:stretch>
+        </p:blipFill>
+        <p:spPr>
+          <a:xfrm>
+            <a:off x="1871221" y="1794222"/>
+            <a:ext cx="8449558" cy="3269556"/>
+          </a:xfrm>
+        </p:spPr>
+      </p:pic>
+    </p:spTree>
+    <p:extLst>
+      <p:ext uri="{BB962C8B-B14F-4D97-AF65-F5344CB8AC3E}">
+        <p14:creationId xmlns:p14="http://schemas.microsoft.com/office/powerpoint/2010/main" val="2347046604"/>
+      </p:ext>
+    </p:extLst>
+  </p:cSld>
+  <p:clrMapOvr>
+    <a:masterClrMapping/>
+  </p:clrMapOvr>
+</p:sld>
+</file>
+
+<file path=ppt/slides/slide32.xml><?xml version="1.0" encoding="utf-8"?>
+<p:sld xmlns:a="http://schemas.openxmlformats.org/drawingml/2006/main" xmlns:r="http://schemas.openxmlformats.org/officeDocument/2006/relationships" xmlns:p="http://schemas.openxmlformats.org/presentationml/2006/main">
+  <p:cSld>
+    <p:spTree>
+      <p:nvGrpSpPr>
+        <p:cNvPr id="1" name=""/>
+        <p:cNvGrpSpPr/>
+        <p:nvPr/>
+      </p:nvGrpSpPr>
+      <p:grpSpPr>
+        <a:xfrm>
+          <a:off x="0" y="0"/>
+          <a:ext cx="0" cy="0"/>
+          <a:chOff x="0" y="0"/>
+          <a:chExt cx="0" cy="0"/>
+        </a:xfrm>
+      </p:grpSpPr>
+      <p:sp>
+        <p:nvSpPr>
+          <p:cNvPr id="2" name="Title 1">
+            <a:extLst>
+              <a:ext uri="{FF2B5EF4-FFF2-40B4-BE49-F238E27FC236}">
+                <a16:creationId xmlns:a16="http://schemas.microsoft.com/office/drawing/2014/main" id="{9FE841F2-692A-41F9-BF1B-872FB9D513FB}"/>
+              </a:ext>
+            </a:extLst>
+          </p:cNvPr>
+          <p:cNvSpPr>
+            <a:spLocks noGrp="1"/>
+          </p:cNvSpPr>
+          <p:nvPr>
+            <p:ph type="title"/>
+          </p:nvPr>
+        </p:nvSpPr>
+        <p:spPr/>
+        <p:txBody>
+          <a:bodyPr/>
+          <a:lstStyle/>
+          <a:p>
+            <a:pPr algn="ctr"/>
+            <a:r>
+              <a:rPr lang="sr-Latn-RS" dirty="0"/>
+              <a:t>Zašto se koriste web aplikacije?</a:t>
+            </a:r>
+            <a:endParaRPr lang="en-US" dirty="0"/>
+          </a:p>
+        </p:txBody>
+      </p:sp>
+      <p:sp>
+        <p:nvSpPr>
+          <p:cNvPr id="3" name="Content Placeholder 2">
+            <a:extLst>
+              <a:ext uri="{FF2B5EF4-FFF2-40B4-BE49-F238E27FC236}">
+                <a16:creationId xmlns:a16="http://schemas.microsoft.com/office/drawing/2014/main" id="{DAE1E7C7-D56A-429F-9F68-99CA8218B171}"/>
+              </a:ext>
+            </a:extLst>
+          </p:cNvPr>
+          <p:cNvSpPr>
+            <a:spLocks noGrp="1"/>
+          </p:cNvSpPr>
+          <p:nvPr>
+            <p:ph idx="1"/>
+          </p:nvPr>
+        </p:nvSpPr>
+        <p:spPr/>
+        <p:txBody>
+          <a:bodyPr>
+            <a:normAutofit lnSpcReduction="10000"/>
+          </a:bodyPr>
+          <a:lstStyle/>
+          <a:p>
+            <a:r>
+              <a:rPr lang="en-US" dirty="0" err="1"/>
+              <a:t>Bolja</a:t>
+            </a:r>
+            <a:r>
+              <a:rPr lang="en-US" dirty="0"/>
+              <a:t> </a:t>
+            </a:r>
+            <a:r>
+              <a:rPr lang="en-US" dirty="0" err="1"/>
+              <a:t>interoperabilnost</a:t>
+            </a:r>
+            <a:endParaRPr lang="en-US" dirty="0"/>
+          </a:p>
+          <a:p>
+            <a:r>
+              <a:rPr lang="en-US" dirty="0" err="1"/>
+              <a:t>Instalacija</a:t>
+            </a:r>
+            <a:r>
+              <a:rPr lang="en-US" dirty="0"/>
+              <a:t> </a:t>
+            </a:r>
+            <a:r>
+              <a:rPr lang="en-US" dirty="0" err="1"/>
+              <a:t>i</a:t>
+            </a:r>
+            <a:r>
+              <a:rPr lang="en-US" dirty="0"/>
+              <a:t> </a:t>
+            </a:r>
+            <a:r>
+              <a:rPr lang="en-US" dirty="0" err="1"/>
+              <a:t>održavanje</a:t>
+            </a:r>
+            <a:r>
+              <a:rPr lang="en-US" dirty="0"/>
+              <a:t> </a:t>
+            </a:r>
+            <a:r>
+              <a:rPr lang="en-US" dirty="0" err="1"/>
+              <a:t>su</a:t>
+            </a:r>
+            <a:r>
+              <a:rPr lang="en-US" dirty="0"/>
+              <a:t> </a:t>
+            </a:r>
+            <a:r>
+              <a:rPr lang="en-US" dirty="0" err="1"/>
+              <a:t>jednostavni</a:t>
+            </a:r>
+            <a:endParaRPr lang="sr-Latn-RS" dirty="0"/>
+          </a:p>
+          <a:p>
+            <a:r>
+              <a:rPr lang="en-US" dirty="0" err="1"/>
+              <a:t>Poboljšana</a:t>
+            </a:r>
+            <a:r>
+              <a:rPr lang="en-US" dirty="0"/>
+              <a:t> </a:t>
+            </a:r>
+            <a:r>
+              <a:rPr lang="en-US" dirty="0" err="1"/>
+              <a:t>bezbednost</a:t>
+            </a:r>
+            <a:r>
+              <a:rPr lang="en-US" dirty="0"/>
+              <a:t> </a:t>
+            </a:r>
+            <a:endParaRPr lang="sr-Latn-RS" dirty="0"/>
+          </a:p>
+          <a:p>
+            <a:r>
+              <a:rPr lang="en-US" dirty="0" err="1"/>
+              <a:t>Bolji</a:t>
+            </a:r>
+            <a:r>
+              <a:rPr lang="en-US" dirty="0"/>
+              <a:t> </a:t>
+            </a:r>
+            <a:r>
+              <a:rPr lang="en-US" dirty="0" err="1"/>
+              <a:t>performans</a:t>
+            </a:r>
+            <a:endParaRPr lang="sr-Latn-RS" dirty="0"/>
+          </a:p>
+          <a:p>
+            <a:r>
+              <a:rPr lang="en-US" dirty="0" err="1"/>
+              <a:t>Raspoloživost</a:t>
+            </a:r>
+            <a:r>
+              <a:rPr lang="en-US" dirty="0"/>
+              <a:t> 24/7</a:t>
+            </a:r>
+            <a:endParaRPr lang="sr-Latn-RS" dirty="0"/>
+          </a:p>
+          <a:p>
+            <a:r>
+              <a:rPr lang="en-US" dirty="0" err="1"/>
+              <a:t>Isplativost</a:t>
+            </a:r>
+            <a:endParaRPr lang="sr-Latn-RS" dirty="0"/>
+          </a:p>
+          <a:p>
+            <a:r>
+              <a:rPr lang="en-US" dirty="0" err="1"/>
+              <a:t>Fleksibilnost</a:t>
+            </a:r>
+            <a:endParaRPr lang="sr-Latn-RS" dirty="0"/>
+          </a:p>
+          <a:p>
+            <a:r>
+              <a:rPr lang="en-US" dirty="0" err="1"/>
+              <a:t>Bolja</a:t>
+            </a:r>
+            <a:r>
+              <a:rPr lang="en-US" dirty="0"/>
+              <a:t> </a:t>
+            </a:r>
+            <a:r>
+              <a:rPr lang="en-US" dirty="0" err="1"/>
+              <a:t>korisnička</a:t>
+            </a:r>
+            <a:r>
+              <a:rPr lang="en-US" dirty="0"/>
+              <a:t> </a:t>
+            </a:r>
+            <a:r>
+              <a:rPr lang="en-US" dirty="0" err="1"/>
+              <a:t>podrška</a:t>
+            </a:r>
+            <a:endParaRPr lang="sr-Latn-RS" dirty="0"/>
+          </a:p>
+          <a:p>
+            <a:r>
+              <a:rPr lang="en-US" dirty="0" err="1"/>
+              <a:t>Dostupnost</a:t>
+            </a:r>
+            <a:endParaRPr lang="en-US" dirty="0"/>
+          </a:p>
+        </p:txBody>
+      </p:sp>
+    </p:spTree>
+    <p:extLst>
+      <p:ext uri="{BB962C8B-B14F-4D97-AF65-F5344CB8AC3E}">
+        <p14:creationId xmlns:p14="http://schemas.microsoft.com/office/powerpoint/2010/main" val="1938819053"/>
+      </p:ext>
+    </p:extLst>
+  </p:cSld>
+  <p:clrMapOvr>
+    <a:masterClrMapping/>
+  </p:clrMapOvr>
+</p:sld>
+</file>
+
+<file path=ppt/slides/slide33.xml><?xml version="1.0" encoding="utf-8"?>
+<p:sld xmlns:a="http://schemas.openxmlformats.org/drawingml/2006/main" xmlns:r="http://schemas.openxmlformats.org/officeDocument/2006/relationships" xmlns:p="http://schemas.openxmlformats.org/presentationml/2006/main">
+  <p:cSld>
+    <p:spTree>
+      <p:nvGrpSpPr>
+        <p:cNvPr id="1" name=""/>
+        <p:cNvGrpSpPr/>
+        <p:nvPr/>
+      </p:nvGrpSpPr>
+      <p:grpSpPr>
+        <a:xfrm>
+          <a:off x="0" y="0"/>
+          <a:ext cx="0" cy="0"/>
+          <a:chOff x="0" y="0"/>
+          <a:chExt cx="0" cy="0"/>
+        </a:xfrm>
+      </p:grpSpPr>
+      <p:sp>
+        <p:nvSpPr>
+          <p:cNvPr id="2" name="Title 1">
+            <a:extLst>
+              <a:ext uri="{FF2B5EF4-FFF2-40B4-BE49-F238E27FC236}">
+                <a16:creationId xmlns:a16="http://schemas.microsoft.com/office/drawing/2014/main" id="{5B00BBE7-F381-4995-BFC3-4DBB8F18ABB5}"/>
+              </a:ext>
+            </a:extLst>
+          </p:cNvPr>
+          <p:cNvSpPr>
+            <a:spLocks noGrp="1"/>
+          </p:cNvSpPr>
+          <p:nvPr>
+            <p:ph type="title"/>
+          </p:nvPr>
+        </p:nvSpPr>
+        <p:spPr/>
+        <p:txBody>
+          <a:bodyPr/>
+          <a:lstStyle/>
+          <a:p>
+            <a:pPr algn="ctr"/>
+            <a:r>
+              <a:rPr lang="sr-Latn-RS" dirty="0"/>
+              <a:t>Razvoj poslovnih web aplikacija</a:t>
+            </a:r>
+            <a:endParaRPr lang="en-US" dirty="0"/>
+          </a:p>
+        </p:txBody>
+      </p:sp>
+      <p:sp>
+        <p:nvSpPr>
+          <p:cNvPr id="3" name="Content Placeholder 2">
+            <a:extLst>
+              <a:ext uri="{FF2B5EF4-FFF2-40B4-BE49-F238E27FC236}">
+                <a16:creationId xmlns:a16="http://schemas.microsoft.com/office/drawing/2014/main" id="{4A207B08-6779-4612-8C48-5119F5F91D98}"/>
+              </a:ext>
+            </a:extLst>
+          </p:cNvPr>
+          <p:cNvSpPr>
+            <a:spLocks noGrp="1"/>
+          </p:cNvSpPr>
+          <p:nvPr>
+            <p:ph idx="1"/>
+          </p:nvPr>
+        </p:nvSpPr>
+        <p:spPr/>
+        <p:txBody>
+          <a:bodyPr/>
+          <a:lstStyle/>
+          <a:p>
+            <a:r>
+              <a:rPr lang="sr-Latn-RS" dirty="0"/>
+              <a:t>Karakteristike poslovnih web aplikacija: automatizuju i/ili eliminišu rutinske procese, agilne su, bezbedne, brze i razumljive</a:t>
+            </a:r>
+          </a:p>
+          <a:p>
+            <a:r>
+              <a:rPr lang="sr-Latn-RS" dirty="0"/>
+              <a:t>Dobra praksa je da se formuliše lista zahteva – definisanje svih krajnjih ciljeva razvoja aplikacije. Potrebno je uključiti više aktera u proces diskusije i dobiti povratne informacije od što više krajnjih korisnika</a:t>
+            </a:r>
+          </a:p>
+          <a:p>
+            <a:r>
+              <a:rPr lang="sr-Latn-RS" dirty="0"/>
+              <a:t>Razvoj obično zahteva dve vrste ekspertize: </a:t>
+            </a:r>
+            <a:r>
+              <a:rPr lang="sr-Latn-RS" i="1" dirty="0"/>
+              <a:t>front-end development</a:t>
+            </a:r>
+            <a:r>
+              <a:rPr lang="sr-Latn-RS" dirty="0"/>
+              <a:t>, odnosno kodiranje sa klijentske strane i </a:t>
+            </a:r>
+            <a:r>
+              <a:rPr lang="sr-Latn-RS" i="1" dirty="0"/>
+              <a:t>back-end development</a:t>
+            </a:r>
+            <a:r>
+              <a:rPr lang="sr-Latn-RS" dirty="0"/>
+              <a:t>, odnosno kodiranje sa serverske strane </a:t>
+            </a:r>
+          </a:p>
+          <a:p>
+            <a:r>
+              <a:rPr lang="sr-Latn-RS" dirty="0"/>
+              <a:t>Izbor radnog okvira i tehnologije je od krucijalnog značaja za razvoj poslovnih web aplikacija</a:t>
+            </a:r>
+          </a:p>
+          <a:p>
+            <a:endParaRPr lang="en-US" dirty="0"/>
+          </a:p>
+        </p:txBody>
+      </p:sp>
+    </p:spTree>
+    <p:extLst>
+      <p:ext uri="{BB962C8B-B14F-4D97-AF65-F5344CB8AC3E}">
+        <p14:creationId xmlns:p14="http://schemas.microsoft.com/office/powerpoint/2010/main" val="778612257"/>
+      </p:ext>
+    </p:extLst>
+  </p:cSld>
+  <p:clrMapOvr>
+    <a:masterClrMapping/>
+  </p:clrMapOvr>
+</p:sld>
+</file>
+
+<file path=ppt/slides/slide34.xml><?xml version="1.0" encoding="utf-8"?>
+<p:sld xmlns:a="http://schemas.openxmlformats.org/drawingml/2006/main" xmlns:r="http://schemas.openxmlformats.org/officeDocument/2006/relationships" xmlns:p="http://schemas.openxmlformats.org/presentationml/2006/main">
+  <p:cSld>
+    <p:spTree>
+      <p:nvGrpSpPr>
+        <p:cNvPr id="1" name=""/>
+        <p:cNvGrpSpPr/>
+        <p:nvPr/>
+      </p:nvGrpSpPr>
+      <p:grpSpPr>
+        <a:xfrm>
+          <a:off x="0" y="0"/>
+          <a:ext cx="0" cy="0"/>
+          <a:chOff x="0" y="0"/>
+          <a:chExt cx="0" cy="0"/>
+        </a:xfrm>
+      </p:grpSpPr>
+      <p:sp>
+        <p:nvSpPr>
+          <p:cNvPr id="2" name="Title 1">
+            <a:extLst>
+              <a:ext uri="{FF2B5EF4-FFF2-40B4-BE49-F238E27FC236}">
+                <a16:creationId xmlns:a16="http://schemas.microsoft.com/office/drawing/2014/main" id="{33491D09-B727-4AFC-BB00-A32C83E3E359}"/>
+              </a:ext>
+            </a:extLst>
+          </p:cNvPr>
+          <p:cNvSpPr>
+            <a:spLocks noGrp="1"/>
+          </p:cNvSpPr>
+          <p:nvPr>
+            <p:ph type="title"/>
+          </p:nvPr>
+        </p:nvSpPr>
+        <p:spPr/>
+        <p:txBody>
+          <a:bodyPr/>
+          <a:lstStyle/>
+          <a:p>
+            <a:pPr algn="ctr"/>
+            <a:r>
+              <a:rPr lang="sr-Latn-RS" dirty="0"/>
+              <a:t>Koraci u razvoju web aplikacija</a:t>
+            </a:r>
+            <a:endParaRPr lang="en-US" dirty="0"/>
+          </a:p>
+        </p:txBody>
+      </p:sp>
+      <p:sp>
+        <p:nvSpPr>
+          <p:cNvPr id="3" name="Content Placeholder 2">
+            <a:extLst>
+              <a:ext uri="{FF2B5EF4-FFF2-40B4-BE49-F238E27FC236}">
+                <a16:creationId xmlns:a16="http://schemas.microsoft.com/office/drawing/2014/main" id="{20EA5B3B-F627-4DFA-A244-DF71E64ACB64}"/>
+              </a:ext>
+            </a:extLst>
+          </p:cNvPr>
+          <p:cNvSpPr>
+            <a:spLocks noGrp="1"/>
+          </p:cNvSpPr>
+          <p:nvPr>
+            <p:ph idx="1"/>
+          </p:nvPr>
+        </p:nvSpPr>
+        <p:spPr/>
+        <p:txBody>
+          <a:bodyPr>
+            <a:normAutofit lnSpcReduction="10000"/>
+          </a:bodyPr>
+          <a:lstStyle/>
+          <a:p>
+            <a:r>
+              <a:rPr lang="en-US" dirty="0" err="1"/>
+              <a:t>Definisanje</a:t>
+            </a:r>
+            <a:r>
+              <a:rPr lang="en-US" dirty="0"/>
+              <a:t> </a:t>
+            </a:r>
+            <a:r>
+              <a:rPr lang="en-US" dirty="0" err="1"/>
+              <a:t>strategije</a:t>
+            </a:r>
+            <a:endParaRPr lang="sr-Latn-RS" dirty="0"/>
+          </a:p>
+          <a:p>
+            <a:r>
+              <a:rPr lang="en-US" dirty="0" err="1"/>
+              <a:t>Ispitivanje</a:t>
+            </a:r>
+            <a:r>
+              <a:rPr lang="en-US" dirty="0"/>
+              <a:t> </a:t>
+            </a:r>
+            <a:r>
+              <a:rPr lang="en-US" dirty="0" err="1"/>
+              <a:t>budućih</a:t>
+            </a:r>
+            <a:r>
+              <a:rPr lang="en-US" dirty="0"/>
+              <a:t> </a:t>
+            </a:r>
+            <a:r>
+              <a:rPr lang="en-US" dirty="0" err="1"/>
+              <a:t>korisnika</a:t>
+            </a:r>
+            <a:r>
+              <a:rPr lang="en-US" dirty="0"/>
+              <a:t> </a:t>
+            </a:r>
+            <a:r>
+              <a:rPr lang="en-US" dirty="0" err="1"/>
+              <a:t>aplikacije</a:t>
+            </a:r>
+            <a:endParaRPr lang="en-US" dirty="0"/>
+          </a:p>
+          <a:p>
+            <a:r>
+              <a:rPr lang="en-US" dirty="0" err="1"/>
+              <a:t>Kreacija</a:t>
+            </a:r>
+            <a:r>
+              <a:rPr lang="en-US" dirty="0"/>
+              <a:t> </a:t>
+            </a:r>
+            <a:r>
+              <a:rPr lang="en-US" dirty="0" err="1"/>
+              <a:t>funkcionalnog</a:t>
+            </a:r>
+            <a:r>
+              <a:rPr lang="en-US" dirty="0"/>
+              <a:t> </a:t>
+            </a:r>
+            <a:r>
+              <a:rPr lang="en-US" dirty="0" err="1"/>
+              <a:t>dizajna</a:t>
+            </a:r>
+            <a:r>
+              <a:rPr lang="en-US" dirty="0"/>
+              <a:t> </a:t>
+            </a:r>
+            <a:r>
+              <a:rPr lang="en-US" dirty="0" err="1"/>
+              <a:t>aplikacije</a:t>
+            </a:r>
+            <a:endParaRPr lang="en-US" dirty="0"/>
+          </a:p>
+          <a:p>
+            <a:r>
+              <a:rPr lang="en-US" dirty="0" err="1"/>
+              <a:t>Izbor</a:t>
+            </a:r>
+            <a:r>
+              <a:rPr lang="en-US" dirty="0"/>
+              <a:t> </a:t>
+            </a:r>
+            <a:r>
+              <a:rPr lang="en-US" dirty="0" err="1"/>
+              <a:t>tehnologije</a:t>
+            </a:r>
+            <a:r>
+              <a:rPr lang="en-US" dirty="0"/>
+              <a:t>, </a:t>
+            </a:r>
+            <a:r>
+              <a:rPr lang="en-US" dirty="0" err="1"/>
+              <a:t>bazira</a:t>
+            </a:r>
+            <a:r>
+              <a:rPr lang="en-US" dirty="0"/>
+              <a:t> se </a:t>
+            </a:r>
+            <a:r>
+              <a:rPr lang="en-US" dirty="0" err="1"/>
+              <a:t>na</a:t>
+            </a:r>
+            <a:r>
+              <a:rPr lang="en-US" dirty="0"/>
+              <a:t> </a:t>
+            </a:r>
+            <a:r>
+              <a:rPr lang="en-US" dirty="0" err="1"/>
+              <a:t>specifikaciji</a:t>
+            </a:r>
+            <a:r>
+              <a:rPr lang="en-US" dirty="0"/>
+              <a:t> </a:t>
+            </a:r>
+            <a:r>
+              <a:rPr lang="en-US" dirty="0" err="1"/>
+              <a:t>projekta</a:t>
+            </a:r>
+            <a:endParaRPr lang="en-US" dirty="0"/>
+          </a:p>
+          <a:p>
+            <a:r>
+              <a:rPr lang="en-US" dirty="0" err="1"/>
+              <a:t>Dizajniranje</a:t>
+            </a:r>
+            <a:r>
+              <a:rPr lang="en-US" dirty="0"/>
+              <a:t> </a:t>
+            </a:r>
+            <a:r>
+              <a:rPr lang="en-US" dirty="0" err="1"/>
+              <a:t>vizuelnog</a:t>
+            </a:r>
+            <a:r>
+              <a:rPr lang="en-US" dirty="0"/>
+              <a:t> </a:t>
+            </a:r>
+            <a:r>
+              <a:rPr lang="en-US" dirty="0" err="1"/>
+              <a:t>izgleda</a:t>
+            </a:r>
+            <a:r>
+              <a:rPr lang="en-US" dirty="0"/>
+              <a:t> </a:t>
+            </a:r>
+            <a:r>
+              <a:rPr lang="en-US" dirty="0" err="1"/>
+              <a:t>aplikacije</a:t>
+            </a:r>
+            <a:endParaRPr lang="en-US" dirty="0"/>
+          </a:p>
+          <a:p>
+            <a:r>
+              <a:rPr lang="en-US" dirty="0" err="1"/>
+              <a:t>Definisanje</a:t>
+            </a:r>
+            <a:r>
+              <a:rPr lang="en-US" dirty="0"/>
+              <a:t> </a:t>
+            </a:r>
+            <a:r>
+              <a:rPr lang="en-US" dirty="0" err="1"/>
+              <a:t>strukture</a:t>
+            </a:r>
+            <a:r>
+              <a:rPr lang="en-US" dirty="0"/>
+              <a:t> </a:t>
+            </a:r>
+            <a:r>
+              <a:rPr lang="en-US" dirty="0" err="1"/>
+              <a:t>baze</a:t>
+            </a:r>
+            <a:r>
+              <a:rPr lang="en-US" dirty="0"/>
+              <a:t> </a:t>
+            </a:r>
+            <a:r>
+              <a:rPr lang="en-US" dirty="0" err="1"/>
+              <a:t>podataka</a:t>
+            </a:r>
+            <a:r>
+              <a:rPr lang="en-US" dirty="0"/>
+              <a:t> </a:t>
+            </a:r>
+          </a:p>
+          <a:p>
+            <a:r>
+              <a:rPr lang="en-US" dirty="0" err="1"/>
+              <a:t>Kodiranje</a:t>
+            </a:r>
+            <a:endParaRPr lang="en-US" dirty="0"/>
+          </a:p>
+          <a:p>
+            <a:r>
+              <a:rPr lang="en-US" dirty="0" err="1"/>
+              <a:t>Testiranje</a:t>
+            </a:r>
+            <a:r>
+              <a:rPr lang="en-US" dirty="0"/>
+              <a:t>, </a:t>
+            </a:r>
+            <a:r>
+              <a:rPr lang="en-US" dirty="0" err="1"/>
+              <a:t>dokaz</a:t>
+            </a:r>
+            <a:r>
+              <a:rPr lang="en-US" dirty="0"/>
+              <a:t> o </a:t>
+            </a:r>
+            <a:r>
+              <a:rPr lang="en-US" dirty="0" err="1"/>
+              <a:t>kvalitetu</a:t>
+            </a:r>
+            <a:r>
+              <a:rPr lang="en-US" dirty="0"/>
+              <a:t>, </a:t>
+            </a:r>
+            <a:r>
+              <a:rPr lang="en-US" dirty="0" err="1"/>
+              <a:t>pregledanje</a:t>
+            </a:r>
+            <a:r>
+              <a:rPr lang="en-US" dirty="0"/>
+              <a:t> </a:t>
+            </a:r>
+            <a:r>
+              <a:rPr lang="en-US" dirty="0" err="1"/>
+              <a:t>i</a:t>
+            </a:r>
+            <a:r>
+              <a:rPr lang="en-US" dirty="0"/>
+              <a:t> </a:t>
+            </a:r>
+            <a:r>
+              <a:rPr lang="en-US" dirty="0" err="1"/>
+              <a:t>isporuka</a:t>
+            </a:r>
+            <a:endParaRPr lang="en-US" dirty="0"/>
+          </a:p>
+          <a:p>
+            <a:r>
+              <a:rPr lang="en-US" dirty="0" err="1"/>
+              <a:t>Održavanje</a:t>
+            </a:r>
+            <a:r>
+              <a:rPr lang="en-US" dirty="0"/>
+              <a:t> </a:t>
+            </a:r>
+            <a:r>
+              <a:rPr lang="en-US" dirty="0" err="1"/>
+              <a:t>i</a:t>
+            </a:r>
+            <a:r>
+              <a:rPr lang="en-US" dirty="0"/>
+              <a:t> </a:t>
+            </a:r>
+            <a:r>
+              <a:rPr lang="en-US" dirty="0" err="1"/>
+              <a:t>podrška</a:t>
+            </a:r>
+            <a:endParaRPr lang="en-US" dirty="0"/>
+          </a:p>
+          <a:p>
+            <a:pPr marL="0" indent="0">
+              <a:buNone/>
+            </a:pPr>
+            <a:endParaRPr lang="en-US" dirty="0"/>
+          </a:p>
+        </p:txBody>
+      </p:sp>
+    </p:spTree>
+    <p:extLst>
+      <p:ext uri="{BB962C8B-B14F-4D97-AF65-F5344CB8AC3E}">
+        <p14:creationId xmlns:p14="http://schemas.microsoft.com/office/powerpoint/2010/main" val="485397605"/>
+      </p:ext>
+    </p:extLst>
+  </p:cSld>
+  <p:clrMapOvr>
+    <a:masterClrMapping/>
+  </p:clrMapOvr>
+</p:sld>
+</file>
+
+<file path=ppt/slides/slide35.xml><?xml version="1.0" encoding="utf-8"?>
+<p:sld xmlns:a="http://schemas.openxmlformats.org/drawingml/2006/main" xmlns:r="http://schemas.openxmlformats.org/officeDocument/2006/relationships" xmlns:p="http://schemas.openxmlformats.org/presentationml/2006/main">
+  <p:cSld>
+    <p:spTree>
+      <p:nvGrpSpPr>
+        <p:cNvPr id="1" name=""/>
+        <p:cNvGrpSpPr/>
+        <p:nvPr/>
+      </p:nvGrpSpPr>
+      <p:grpSpPr>
+        <a:xfrm>
+          <a:off x="0" y="0"/>
+          <a:ext cx="0" cy="0"/>
+          <a:chOff x="0" y="0"/>
+          <a:chExt cx="0" cy="0"/>
+        </a:xfrm>
+      </p:grpSpPr>
+      <p:sp>
+        <p:nvSpPr>
+          <p:cNvPr id="2" name="Title 1">
+            <a:extLst>
+              <a:ext uri="{FF2B5EF4-FFF2-40B4-BE49-F238E27FC236}">
+                <a16:creationId xmlns:a16="http://schemas.microsoft.com/office/drawing/2014/main" id="{C4E4F84C-098D-4255-B739-0FEE70CAD0E2}"/>
+              </a:ext>
+            </a:extLst>
+          </p:cNvPr>
+          <p:cNvSpPr>
+            <a:spLocks noGrp="1"/>
+          </p:cNvSpPr>
+          <p:nvPr>
+            <p:ph type="title"/>
+          </p:nvPr>
+        </p:nvSpPr>
+        <p:spPr/>
+        <p:txBody>
+          <a:bodyPr/>
+          <a:lstStyle/>
+          <a:p>
+            <a:pPr algn="ctr"/>
+            <a:r>
+              <a:rPr lang="sr-Latn-RS" dirty="0"/>
+              <a:t>Cloud servisi</a:t>
+            </a:r>
+            <a:endParaRPr lang="en-US" dirty="0"/>
+          </a:p>
+        </p:txBody>
+      </p:sp>
+      <p:sp>
+        <p:nvSpPr>
+          <p:cNvPr id="3" name="Content Placeholder 2">
+            <a:extLst>
+              <a:ext uri="{FF2B5EF4-FFF2-40B4-BE49-F238E27FC236}">
+                <a16:creationId xmlns:a16="http://schemas.microsoft.com/office/drawing/2014/main" id="{286FE75D-B779-4AAD-A299-DFC3CCF5B822}"/>
+              </a:ext>
+            </a:extLst>
+          </p:cNvPr>
+          <p:cNvSpPr>
+            <a:spLocks noGrp="1"/>
+          </p:cNvSpPr>
+          <p:nvPr>
+            <p:ph idx="1"/>
+          </p:nvPr>
+        </p:nvSpPr>
+        <p:spPr/>
+        <p:txBody>
+          <a:bodyPr>
+            <a:normAutofit fontScale="92500" lnSpcReduction="10000"/>
+          </a:bodyPr>
+          <a:lstStyle/>
+          <a:p>
+            <a:r>
+              <a:rPr lang="en-US" dirty="0"/>
+              <a:t>Cloud </a:t>
+            </a:r>
+            <a:r>
+              <a:rPr lang="en-US" dirty="0" err="1"/>
+              <a:t>servisi</a:t>
+            </a:r>
+            <a:r>
+              <a:rPr lang="en-US" dirty="0"/>
+              <a:t> </a:t>
+            </a:r>
+            <a:r>
+              <a:rPr lang="en-US" dirty="0" err="1"/>
+              <a:t>predstavljaju</a:t>
+            </a:r>
+            <a:r>
+              <a:rPr lang="en-US" dirty="0"/>
+              <a:t> </a:t>
+            </a:r>
+            <a:r>
+              <a:rPr lang="en-US" dirty="0" err="1"/>
+              <a:t>isporuku</a:t>
+            </a:r>
+            <a:r>
+              <a:rPr lang="en-US" dirty="0"/>
+              <a:t> </a:t>
+            </a:r>
+            <a:r>
+              <a:rPr lang="en-US" dirty="0" err="1"/>
+              <a:t>računarskih</a:t>
+            </a:r>
+            <a:r>
+              <a:rPr lang="en-US" dirty="0"/>
+              <a:t> </a:t>
+            </a:r>
+            <a:r>
+              <a:rPr lang="en-US" dirty="0" err="1"/>
+              <a:t>resursa</a:t>
+            </a:r>
+            <a:r>
+              <a:rPr lang="en-US" dirty="0"/>
+              <a:t> </a:t>
+            </a:r>
+            <a:r>
+              <a:rPr lang="en-US" dirty="0" err="1"/>
+              <a:t>i</a:t>
+            </a:r>
+            <a:r>
+              <a:rPr lang="en-US" dirty="0"/>
+              <a:t> </a:t>
+            </a:r>
+            <a:r>
+              <a:rPr lang="en-US" dirty="0" err="1"/>
+              <a:t>skladišnih</a:t>
+            </a:r>
+            <a:r>
+              <a:rPr lang="en-US" dirty="0"/>
+              <a:t> </a:t>
+            </a:r>
+            <a:r>
+              <a:rPr lang="en-US" dirty="0" err="1"/>
+              <a:t>kapaciteta</a:t>
+            </a:r>
+            <a:r>
+              <a:rPr lang="en-US" dirty="0"/>
+              <a:t> </a:t>
+            </a:r>
+            <a:r>
+              <a:rPr lang="en-US" dirty="0" err="1"/>
+              <a:t>kao</a:t>
+            </a:r>
+            <a:r>
+              <a:rPr lang="en-US" dirty="0"/>
+              <a:t> </a:t>
+            </a:r>
+            <a:r>
+              <a:rPr lang="en-US" dirty="0" err="1"/>
+              <a:t>uslugu</a:t>
+            </a:r>
+            <a:r>
+              <a:rPr lang="en-US" dirty="0"/>
+              <a:t> za </a:t>
+            </a:r>
+            <a:r>
+              <a:rPr lang="en-US" dirty="0" err="1"/>
+              <a:t>grupu</a:t>
+            </a:r>
+            <a:r>
+              <a:rPr lang="en-US" dirty="0"/>
+              <a:t> </a:t>
+            </a:r>
+            <a:r>
+              <a:rPr lang="en-US" dirty="0" err="1"/>
+              <a:t>krajnjih</a:t>
+            </a:r>
+            <a:r>
+              <a:rPr lang="en-US" dirty="0"/>
+              <a:t> </a:t>
+            </a:r>
+            <a:r>
+              <a:rPr lang="en-US" dirty="0" err="1"/>
+              <a:t>korisni</a:t>
+            </a:r>
+            <a:r>
+              <a:rPr lang="sr-Latn-RS" dirty="0"/>
+              <a:t>ka</a:t>
+            </a:r>
+          </a:p>
+          <a:p>
+            <a:r>
+              <a:rPr lang="en-US" dirty="0" err="1"/>
+              <a:t>Koncept</a:t>
+            </a:r>
+            <a:r>
+              <a:rPr lang="en-US" dirty="0"/>
+              <a:t> cloud </a:t>
+            </a:r>
+            <a:r>
+              <a:rPr lang="en-US" dirty="0" err="1"/>
+              <a:t>servisa</a:t>
+            </a:r>
+            <a:r>
+              <a:rPr lang="en-US" dirty="0"/>
+              <a:t> se </a:t>
+            </a:r>
+            <a:r>
+              <a:rPr lang="en-US" dirty="0" err="1"/>
+              <a:t>oslanja</a:t>
+            </a:r>
+            <a:r>
+              <a:rPr lang="en-US" dirty="0"/>
+              <a:t> </a:t>
+            </a:r>
+            <a:r>
+              <a:rPr lang="en-US" dirty="0" err="1"/>
+              <a:t>na</a:t>
+            </a:r>
+            <a:r>
+              <a:rPr lang="en-US" dirty="0"/>
+              <a:t> </a:t>
+            </a:r>
+            <a:r>
+              <a:rPr lang="en-US" dirty="0" err="1"/>
+              <a:t>deljenje</a:t>
+            </a:r>
+            <a:r>
+              <a:rPr lang="en-US" dirty="0"/>
+              <a:t> </a:t>
+            </a:r>
+            <a:r>
+              <a:rPr lang="en-US" dirty="0" err="1"/>
+              <a:t>resursa</a:t>
+            </a:r>
+            <a:r>
+              <a:rPr lang="en-US" dirty="0"/>
+              <a:t> </a:t>
+            </a:r>
+            <a:r>
+              <a:rPr lang="en-US" dirty="0" err="1"/>
+              <a:t>preko</a:t>
+            </a:r>
+            <a:r>
+              <a:rPr lang="en-US" dirty="0"/>
+              <a:t> </a:t>
+            </a:r>
+            <a:r>
+              <a:rPr lang="en-US" dirty="0" err="1"/>
+              <a:t>mreže</a:t>
+            </a:r>
+            <a:r>
+              <a:rPr lang="en-US" dirty="0"/>
+              <a:t>, </a:t>
+            </a:r>
+            <a:r>
+              <a:rPr lang="en-US" dirty="0" err="1"/>
+              <a:t>najčešće</a:t>
+            </a:r>
+            <a:r>
+              <a:rPr lang="en-US" dirty="0"/>
+              <a:t> </a:t>
+            </a:r>
+            <a:r>
+              <a:rPr lang="en-US" dirty="0" err="1"/>
+              <a:t>Interneta</a:t>
+            </a:r>
+            <a:r>
+              <a:rPr lang="sr-Latn-RS" dirty="0"/>
+              <a:t>, a krajnji korisnici pristupaju aplikacijama u cloud-u preko web pretraživača ili desktop aplikacije na mobilnom telefonu</a:t>
+            </a:r>
+          </a:p>
+          <a:p>
+            <a:r>
+              <a:rPr lang="sr-Latn-RS" dirty="0"/>
+              <a:t>S</a:t>
+            </a:r>
+            <a:r>
+              <a:rPr lang="en-US" dirty="0" err="1"/>
+              <a:t>oftver</a:t>
+            </a:r>
+            <a:r>
+              <a:rPr lang="en-US" dirty="0"/>
+              <a:t> </a:t>
+            </a:r>
+            <a:r>
+              <a:rPr lang="en-US" dirty="0" err="1"/>
+              <a:t>i</a:t>
+            </a:r>
+            <a:r>
+              <a:rPr lang="en-US" dirty="0"/>
+              <a:t> </a:t>
+            </a:r>
+            <a:r>
+              <a:rPr lang="en-US" dirty="0" err="1"/>
+              <a:t>korisnički</a:t>
+            </a:r>
+            <a:r>
+              <a:rPr lang="en-US" dirty="0"/>
+              <a:t> </a:t>
+            </a:r>
+            <a:r>
+              <a:rPr lang="en-US" dirty="0" err="1"/>
+              <a:t>podaci</a:t>
+            </a:r>
+            <a:r>
+              <a:rPr lang="en-US" dirty="0"/>
+              <a:t> </a:t>
+            </a:r>
+            <a:r>
+              <a:rPr lang="en-US" dirty="0" err="1"/>
+              <a:t>nalaze</a:t>
+            </a:r>
+            <a:r>
+              <a:rPr lang="en-US" dirty="0"/>
+              <a:t> </a:t>
+            </a:r>
+            <a:r>
+              <a:rPr lang="en-US" dirty="0" err="1"/>
+              <a:t>na</a:t>
+            </a:r>
+            <a:r>
+              <a:rPr lang="en-US" dirty="0"/>
+              <a:t> </a:t>
+            </a:r>
+            <a:r>
+              <a:rPr lang="en-US" dirty="0" err="1"/>
+              <a:t>serverima</a:t>
+            </a:r>
+            <a:r>
+              <a:rPr lang="en-US" dirty="0"/>
+              <a:t> </a:t>
+            </a:r>
+            <a:r>
+              <a:rPr lang="en-US" dirty="0" err="1"/>
+              <a:t>na</a:t>
+            </a:r>
+            <a:r>
+              <a:rPr lang="en-US" dirty="0"/>
+              <a:t> </a:t>
+            </a:r>
+            <a:r>
+              <a:rPr lang="en-US" dirty="0" err="1"/>
+              <a:t>udaljenoj</a:t>
+            </a:r>
+            <a:r>
+              <a:rPr lang="en-US" dirty="0"/>
+              <a:t> </a:t>
+            </a:r>
+            <a:r>
+              <a:rPr lang="en-US" dirty="0" err="1"/>
+              <a:t>lokaciji</a:t>
+            </a:r>
+            <a:endParaRPr lang="sr-Latn-RS" dirty="0"/>
+          </a:p>
+          <a:p>
+            <a:r>
+              <a:rPr lang="en-US" dirty="0" err="1"/>
+              <a:t>Korisnik</a:t>
+            </a:r>
+            <a:r>
+              <a:rPr lang="en-US" dirty="0"/>
+              <a:t> </a:t>
+            </a:r>
+            <a:r>
+              <a:rPr lang="en-US" dirty="0" err="1"/>
+              <a:t>može</a:t>
+            </a:r>
+            <a:r>
+              <a:rPr lang="en-US" dirty="0"/>
+              <a:t> </a:t>
+            </a:r>
+            <a:r>
+              <a:rPr lang="en-US" dirty="0" err="1"/>
+              <a:t>samostalno</a:t>
+            </a:r>
+            <a:r>
+              <a:rPr lang="en-US" dirty="0"/>
+              <a:t> da </a:t>
+            </a:r>
+            <a:r>
+              <a:rPr lang="en-US" dirty="0" err="1"/>
+              <a:t>odabira</a:t>
+            </a:r>
+            <a:r>
+              <a:rPr lang="en-US" dirty="0"/>
+              <a:t> </a:t>
+            </a:r>
+            <a:r>
+              <a:rPr lang="en-US" dirty="0" err="1"/>
+              <a:t>i</a:t>
+            </a:r>
+            <a:r>
+              <a:rPr lang="en-US" dirty="0"/>
+              <a:t> </a:t>
+            </a:r>
+            <a:r>
+              <a:rPr lang="en-US" dirty="0" err="1"/>
+              <a:t>pokreće</a:t>
+            </a:r>
+            <a:r>
+              <a:rPr lang="en-US" dirty="0"/>
+              <a:t> </a:t>
+            </a:r>
+            <a:r>
+              <a:rPr lang="en-US" dirty="0" err="1"/>
+              <a:t>računarske</a:t>
+            </a:r>
+            <a:r>
+              <a:rPr lang="en-US" dirty="0"/>
+              <a:t> </a:t>
+            </a:r>
+            <a:r>
+              <a:rPr lang="en-US" dirty="0" err="1"/>
+              <a:t>resurse</a:t>
+            </a:r>
+            <a:r>
+              <a:rPr lang="en-US" dirty="0"/>
+              <a:t>, </a:t>
+            </a:r>
+            <a:r>
+              <a:rPr lang="en-US" dirty="0" err="1"/>
+              <a:t>može</a:t>
+            </a:r>
+            <a:r>
+              <a:rPr lang="en-US" dirty="0"/>
+              <a:t> da </a:t>
+            </a:r>
+            <a:r>
+              <a:rPr lang="en-US" dirty="0" err="1"/>
+              <a:t>bira</a:t>
+            </a:r>
+            <a:r>
+              <a:rPr lang="en-US" dirty="0"/>
+              <a:t> </a:t>
+            </a:r>
+            <a:r>
+              <a:rPr lang="en-US" dirty="0" err="1"/>
+              <a:t>vreme</a:t>
+            </a:r>
+            <a:r>
+              <a:rPr lang="en-US" dirty="0"/>
+              <a:t> </a:t>
+            </a:r>
+            <a:r>
+              <a:rPr lang="en-US" dirty="0" err="1"/>
+              <a:t>korišćenja</a:t>
+            </a:r>
+            <a:r>
+              <a:rPr lang="en-US" dirty="0"/>
+              <a:t> </a:t>
+            </a:r>
+            <a:r>
+              <a:rPr lang="en-US" dirty="0" err="1"/>
+              <a:t>i</a:t>
+            </a:r>
+            <a:r>
+              <a:rPr lang="en-US" dirty="0"/>
+              <a:t> </a:t>
+            </a:r>
+            <a:r>
+              <a:rPr lang="en-US" dirty="0" err="1"/>
+              <a:t>mrežni</a:t>
+            </a:r>
+            <a:r>
+              <a:rPr lang="en-US" dirty="0"/>
+              <a:t> </a:t>
+            </a:r>
+            <a:r>
+              <a:rPr lang="en-US" dirty="0" err="1"/>
+              <a:t>prostor</a:t>
+            </a:r>
+            <a:r>
+              <a:rPr lang="en-US" dirty="0"/>
+              <a:t> za </a:t>
+            </a:r>
+            <a:r>
+              <a:rPr lang="en-US" dirty="0" err="1"/>
+              <a:t>skladištenje</a:t>
+            </a:r>
+            <a:r>
+              <a:rPr lang="en-US" dirty="0"/>
+              <a:t> </a:t>
+            </a:r>
+            <a:r>
+              <a:rPr lang="en-US" dirty="0" err="1"/>
+              <a:t>podataka</a:t>
+            </a:r>
+            <a:endParaRPr lang="sr-Latn-RS" dirty="0"/>
+          </a:p>
+          <a:p>
+            <a:r>
+              <a:rPr lang="en-US" dirty="0" err="1"/>
+              <a:t>Upotreba</a:t>
+            </a:r>
+            <a:r>
+              <a:rPr lang="en-US" dirty="0"/>
+              <a:t> </a:t>
+            </a:r>
+            <a:r>
+              <a:rPr lang="en-US" dirty="0" err="1"/>
+              <a:t>resursa</a:t>
+            </a:r>
+            <a:r>
+              <a:rPr lang="en-US" dirty="0"/>
+              <a:t> se </a:t>
+            </a:r>
+            <a:r>
+              <a:rPr lang="en-US" dirty="0" err="1"/>
+              <a:t>može</a:t>
+            </a:r>
+            <a:r>
+              <a:rPr lang="en-US" dirty="0"/>
+              <a:t> </a:t>
+            </a:r>
+            <a:r>
+              <a:rPr lang="en-US" dirty="0" err="1"/>
+              <a:t>pratiti</a:t>
+            </a:r>
+            <a:r>
+              <a:rPr lang="en-US" dirty="0"/>
+              <a:t>, </a:t>
+            </a:r>
+            <a:r>
+              <a:rPr lang="en-US" dirty="0" err="1"/>
+              <a:t>proveravati</a:t>
+            </a:r>
+            <a:r>
+              <a:rPr lang="en-US" dirty="0"/>
+              <a:t> </a:t>
+            </a:r>
+            <a:r>
+              <a:rPr lang="en-US" dirty="0" err="1"/>
+              <a:t>i</a:t>
+            </a:r>
+            <a:r>
+              <a:rPr lang="en-US" dirty="0"/>
+              <a:t> o </a:t>
+            </a:r>
+            <a:r>
+              <a:rPr lang="en-US" dirty="0" err="1"/>
+              <a:t>njoj</a:t>
+            </a:r>
+            <a:r>
+              <a:rPr lang="en-US" dirty="0"/>
+              <a:t> se </a:t>
+            </a:r>
+            <a:r>
+              <a:rPr lang="en-US" dirty="0" err="1"/>
+              <a:t>mogu</a:t>
+            </a:r>
+            <a:r>
+              <a:rPr lang="en-US" dirty="0"/>
+              <a:t> </a:t>
+            </a:r>
+            <a:r>
+              <a:rPr lang="en-US" dirty="0" err="1"/>
+              <a:t>praviti</a:t>
+            </a:r>
+            <a:r>
+              <a:rPr lang="en-US" dirty="0"/>
+              <a:t> </a:t>
+            </a:r>
+            <a:r>
+              <a:rPr lang="en-US" dirty="0" err="1"/>
+              <a:t>izveštaji</a:t>
+            </a:r>
+            <a:r>
+              <a:rPr lang="en-US" dirty="0"/>
+              <a:t> </a:t>
+            </a:r>
+            <a:r>
+              <a:rPr lang="en-US" dirty="0" err="1"/>
+              <a:t>pružajući</a:t>
+            </a:r>
+            <a:r>
+              <a:rPr lang="en-US" dirty="0"/>
+              <a:t>, </a:t>
+            </a:r>
+            <a:r>
+              <a:rPr lang="en-US" dirty="0" err="1"/>
+              <a:t>tako</a:t>
+            </a:r>
+            <a:r>
+              <a:rPr lang="en-US" dirty="0"/>
+              <a:t>, </a:t>
+            </a:r>
+            <a:r>
+              <a:rPr lang="en-US" dirty="0" err="1"/>
+              <a:t>transparentan</a:t>
+            </a:r>
+            <a:r>
+              <a:rPr lang="en-US" dirty="0"/>
+              <a:t> </a:t>
+            </a:r>
+            <a:r>
+              <a:rPr lang="en-US" dirty="0" err="1"/>
+              <a:t>uvid</a:t>
+            </a:r>
+            <a:r>
+              <a:rPr lang="en-US" dirty="0"/>
+              <a:t> o </a:t>
+            </a:r>
+            <a:r>
+              <a:rPr lang="en-US" dirty="0" err="1"/>
+              <a:t>provajderima</a:t>
+            </a:r>
+            <a:r>
+              <a:rPr lang="en-US" dirty="0"/>
+              <a:t> </a:t>
+            </a:r>
+            <a:r>
+              <a:rPr lang="en-US" dirty="0" err="1"/>
+              <a:t>usluge</a:t>
+            </a:r>
+            <a:r>
+              <a:rPr lang="en-US" dirty="0"/>
+              <a:t> </a:t>
+            </a:r>
+            <a:r>
+              <a:rPr lang="en-US" dirty="0" err="1"/>
+              <a:t>i</a:t>
+            </a:r>
+            <a:r>
+              <a:rPr lang="en-US" dirty="0"/>
+              <a:t> </a:t>
+            </a:r>
+            <a:r>
+              <a:rPr lang="en-US" dirty="0" err="1"/>
+              <a:t>korisnicima</a:t>
+            </a:r>
+            <a:endParaRPr lang="en-US" dirty="0"/>
+          </a:p>
+        </p:txBody>
+      </p:sp>
+    </p:spTree>
+    <p:extLst>
+      <p:ext uri="{BB962C8B-B14F-4D97-AF65-F5344CB8AC3E}">
+        <p14:creationId xmlns:p14="http://schemas.microsoft.com/office/powerpoint/2010/main" val="2709229200"/>
+      </p:ext>
+    </p:extLst>
+  </p:cSld>
+  <p:clrMapOvr>
+    <a:masterClrMapping/>
+  </p:clrMapOvr>
+</p:sld>
+</file>
+
+<file path=ppt/slides/slide36.xml><?xml version="1.0" encoding="utf-8"?>
+<p:sld xmlns:a="http://schemas.openxmlformats.org/drawingml/2006/main" xmlns:r="http://schemas.openxmlformats.org/officeDocument/2006/relationships" xmlns:p="http://schemas.openxmlformats.org/presentationml/2006/main">
+  <p:cSld>
+    <p:spTree>
+      <p:nvGrpSpPr>
+        <p:cNvPr id="1" name=""/>
+        <p:cNvGrpSpPr/>
+        <p:nvPr/>
+      </p:nvGrpSpPr>
+      <p:grpSpPr>
+        <a:xfrm>
+          <a:off x="0" y="0"/>
+          <a:ext cx="0" cy="0"/>
+          <a:chOff x="0" y="0"/>
+          <a:chExt cx="0" cy="0"/>
+        </a:xfrm>
+      </p:grpSpPr>
+      <p:sp>
+        <p:nvSpPr>
+          <p:cNvPr id="2" name="Title 1">
+            <a:extLst>
+              <a:ext uri="{FF2B5EF4-FFF2-40B4-BE49-F238E27FC236}">
+                <a16:creationId xmlns:a16="http://schemas.microsoft.com/office/drawing/2014/main" id="{E443A2E7-496E-4DAA-BE91-AB1EC2DD86EA}"/>
+              </a:ext>
+            </a:extLst>
+          </p:cNvPr>
+          <p:cNvSpPr>
+            <a:spLocks noGrp="1"/>
+          </p:cNvSpPr>
+          <p:nvPr>
+            <p:ph type="title"/>
+          </p:nvPr>
+        </p:nvSpPr>
+        <p:spPr/>
+        <p:txBody>
+          <a:bodyPr/>
+          <a:lstStyle/>
+          <a:p>
+            <a:pPr algn="ctr"/>
+            <a:r>
+              <a:rPr lang="sr-Latn-RS" dirty="0"/>
+              <a:t>Ključni principi dizajna poslovnih web aplikacija</a:t>
+            </a:r>
+            <a:endParaRPr lang="en-US" dirty="0"/>
+          </a:p>
+        </p:txBody>
+      </p:sp>
+      <p:sp>
+        <p:nvSpPr>
+          <p:cNvPr id="3" name="Content Placeholder 2">
+            <a:extLst>
+              <a:ext uri="{FF2B5EF4-FFF2-40B4-BE49-F238E27FC236}">
+                <a16:creationId xmlns:a16="http://schemas.microsoft.com/office/drawing/2014/main" id="{E8AF82D9-556E-47D9-AC3C-ABB200C7545F}"/>
+              </a:ext>
+            </a:extLst>
+          </p:cNvPr>
+          <p:cNvSpPr>
+            <a:spLocks noGrp="1"/>
+          </p:cNvSpPr>
+          <p:nvPr>
+            <p:ph idx="1"/>
+          </p:nvPr>
+        </p:nvSpPr>
+        <p:spPr>
+          <a:xfrm>
+            <a:off x="838200" y="1825625"/>
+            <a:ext cx="10515600" cy="4469158"/>
+          </a:xfrm>
+        </p:spPr>
+        <p:txBody>
+          <a:bodyPr>
+            <a:normAutofit/>
+          </a:bodyPr>
+          <a:lstStyle/>
+          <a:p>
+            <a:r>
+              <a:rPr lang="en-US" dirty="0"/>
+              <a:t>Po </a:t>
+            </a:r>
+            <a:r>
+              <a:rPr lang="en-US" dirty="0" err="1"/>
+              <a:t>Džeredu</a:t>
+            </a:r>
+            <a:r>
+              <a:rPr lang="en-US" dirty="0"/>
+              <a:t> </a:t>
+            </a:r>
+            <a:r>
+              <a:rPr lang="en-US" dirty="0" err="1"/>
+              <a:t>Spulu</a:t>
+            </a:r>
+            <a:r>
+              <a:rPr lang="en-US" dirty="0"/>
+              <a:t>, </a:t>
+            </a:r>
+            <a:r>
+              <a:rPr lang="en-US" dirty="0" err="1"/>
+              <a:t>postoji</a:t>
+            </a:r>
+            <a:r>
+              <a:rPr lang="en-US" dirty="0"/>
+              <a:t> </a:t>
+            </a:r>
+            <a:r>
+              <a:rPr lang="en-US" dirty="0" err="1"/>
+              <a:t>sedam</a:t>
+            </a:r>
+            <a:r>
+              <a:rPr lang="en-US" dirty="0"/>
+              <a:t> </a:t>
+            </a:r>
+            <a:r>
+              <a:rPr lang="en-US" dirty="0" err="1"/>
+              <a:t>osnovnih</a:t>
+            </a:r>
+            <a:r>
+              <a:rPr lang="en-US" dirty="0"/>
+              <a:t> </a:t>
+            </a:r>
+            <a:r>
+              <a:rPr lang="en-US" dirty="0" err="1"/>
+              <a:t>principa</a:t>
+            </a:r>
+            <a:r>
+              <a:rPr lang="en-US" dirty="0"/>
+              <a:t> za </a:t>
+            </a:r>
+            <a:r>
+              <a:rPr lang="en-US" dirty="0" err="1"/>
+              <a:t>dizajn</a:t>
+            </a:r>
+            <a:r>
+              <a:rPr lang="en-US" dirty="0"/>
+              <a:t> </a:t>
+            </a:r>
+            <a:r>
+              <a:rPr lang="en-US" dirty="0" err="1"/>
+              <a:t>efikasnih</a:t>
+            </a:r>
+            <a:r>
+              <a:rPr lang="en-US" dirty="0"/>
+              <a:t> </a:t>
+            </a:r>
+            <a:r>
+              <a:rPr lang="en-US" dirty="0" err="1"/>
+              <a:t>poslovnih</a:t>
+            </a:r>
+            <a:r>
+              <a:rPr lang="en-US" dirty="0"/>
+              <a:t> web </a:t>
+            </a:r>
+            <a:r>
+              <a:rPr lang="en-US" dirty="0" err="1"/>
+              <a:t>aplikacija</a:t>
+            </a:r>
+            <a:endParaRPr lang="sr-Latn-RS" dirty="0"/>
+          </a:p>
+          <a:p>
+            <a:pPr marL="514350" indent="-514350">
+              <a:buFont typeface="+mj-lt"/>
+              <a:buAutoNum type="arabicPeriod"/>
+            </a:pPr>
+            <a:r>
+              <a:rPr lang="en-US" dirty="0" err="1"/>
+              <a:t>Dizajn</a:t>
+            </a:r>
+            <a:r>
+              <a:rPr lang="en-US" dirty="0"/>
+              <a:t> </a:t>
+            </a:r>
+            <a:r>
+              <a:rPr lang="en-US" dirty="0" err="1"/>
+              <a:t>sa</a:t>
+            </a:r>
+            <a:r>
+              <a:rPr lang="en-US" dirty="0"/>
+              <a:t> </a:t>
+            </a:r>
+            <a:r>
+              <a:rPr lang="en-US" dirty="0" err="1"/>
+              <a:t>zadovoljavajućim</a:t>
+            </a:r>
+            <a:r>
+              <a:rPr lang="en-US" dirty="0"/>
+              <a:t> </a:t>
+            </a:r>
+            <a:r>
+              <a:rPr lang="en-US" dirty="0" err="1"/>
+              <a:t>detaljima</a:t>
+            </a:r>
+            <a:endParaRPr lang="sr-Latn-RS" dirty="0"/>
+          </a:p>
+          <a:p>
+            <a:pPr marL="514350" indent="-514350">
+              <a:buFont typeface="+mj-lt"/>
+              <a:buAutoNum type="arabicPeriod"/>
+            </a:pPr>
+            <a:r>
+              <a:rPr lang="en-US" dirty="0" err="1"/>
+              <a:t>Informativan</a:t>
+            </a:r>
+            <a:r>
+              <a:rPr lang="en-US" dirty="0"/>
+              <a:t> </a:t>
+            </a:r>
+            <a:r>
+              <a:rPr lang="en-US" dirty="0" err="1"/>
+              <a:t>dizajn</a:t>
+            </a:r>
+            <a:r>
+              <a:rPr lang="en-US" dirty="0"/>
+              <a:t> </a:t>
+            </a:r>
+            <a:r>
+              <a:rPr lang="en-US" dirty="0" err="1"/>
+              <a:t>sa</a:t>
+            </a:r>
+            <a:r>
+              <a:rPr lang="en-US" dirty="0"/>
+              <a:t> </a:t>
+            </a:r>
+            <a:r>
+              <a:rPr lang="en-US" dirty="0" err="1"/>
+              <a:t>adekvatnim</a:t>
+            </a:r>
+            <a:r>
+              <a:rPr lang="en-US" dirty="0"/>
+              <a:t> </a:t>
+            </a:r>
+            <a:r>
+              <a:rPr lang="en-US" dirty="0" err="1"/>
+              <a:t>povratnim</a:t>
+            </a:r>
+            <a:r>
+              <a:rPr lang="en-US" dirty="0"/>
+              <a:t> </a:t>
+            </a:r>
+            <a:r>
+              <a:rPr lang="en-US" dirty="0" err="1"/>
+              <a:t>informacijama</a:t>
+            </a:r>
+            <a:endParaRPr lang="sr-Latn-RS" dirty="0"/>
+          </a:p>
+          <a:p>
+            <a:pPr marL="514350" indent="-514350">
+              <a:buFont typeface="+mj-lt"/>
+              <a:buAutoNum type="arabicPeriod"/>
+            </a:pPr>
+            <a:r>
+              <a:rPr lang="en-US" dirty="0" err="1"/>
+              <a:t>Dizajn</a:t>
+            </a:r>
+            <a:r>
+              <a:rPr lang="en-US" dirty="0"/>
+              <a:t> u </a:t>
+            </a:r>
+            <a:r>
+              <a:rPr lang="en-US" dirty="0" err="1"/>
+              <a:t>skladu</a:t>
+            </a:r>
+            <a:r>
+              <a:rPr lang="en-US" dirty="0"/>
+              <a:t> </a:t>
+            </a:r>
+            <a:r>
+              <a:rPr lang="en-US" dirty="0" err="1"/>
+              <a:t>sa</a:t>
+            </a:r>
+            <a:r>
+              <a:rPr lang="en-US" dirty="0"/>
+              <a:t> </a:t>
+            </a:r>
+            <a:r>
+              <a:rPr lang="en-US" dirty="0" err="1"/>
+              <a:t>pređašnjim</a:t>
+            </a:r>
+            <a:r>
+              <a:rPr lang="en-US" dirty="0"/>
+              <a:t> </a:t>
+            </a:r>
+            <a:r>
+              <a:rPr lang="en-US" dirty="0" err="1"/>
+              <a:t>iskustvima</a:t>
+            </a:r>
+            <a:r>
+              <a:rPr lang="en-US" dirty="0"/>
+              <a:t> </a:t>
+            </a:r>
+            <a:r>
+              <a:rPr lang="en-US" dirty="0" err="1"/>
+              <a:t>korisnika</a:t>
+            </a:r>
+            <a:endParaRPr lang="sr-Latn-RS" dirty="0"/>
+          </a:p>
+          <a:p>
+            <a:pPr marL="514350" indent="-514350">
+              <a:buFont typeface="+mj-lt"/>
+              <a:buAutoNum type="arabicPeriod"/>
+            </a:pPr>
+            <a:r>
+              <a:rPr lang="en-US" dirty="0" err="1"/>
+              <a:t>Fleksibilan</a:t>
+            </a:r>
+            <a:r>
+              <a:rPr lang="en-US" dirty="0"/>
+              <a:t> </a:t>
+            </a:r>
+            <a:r>
+              <a:rPr lang="en-US" dirty="0" err="1"/>
+              <a:t>dizajn</a:t>
+            </a:r>
+            <a:endParaRPr lang="sr-Latn-RS" dirty="0"/>
+          </a:p>
+          <a:p>
+            <a:pPr marL="514350" indent="-514350">
+              <a:buFont typeface="+mj-lt"/>
+              <a:buAutoNum type="arabicPeriod"/>
+            </a:pPr>
+            <a:r>
+              <a:rPr lang="en-US" dirty="0" err="1"/>
+              <a:t>Defanzivan</a:t>
+            </a:r>
+            <a:r>
+              <a:rPr lang="en-US" dirty="0"/>
+              <a:t> </a:t>
+            </a:r>
+            <a:r>
+              <a:rPr lang="en-US" dirty="0" err="1"/>
+              <a:t>dizajn</a:t>
+            </a:r>
+            <a:endParaRPr lang="sr-Latn-RS" dirty="0"/>
+          </a:p>
+          <a:p>
+            <a:pPr marL="514350" indent="-514350">
+              <a:buFont typeface="+mj-lt"/>
+              <a:buAutoNum type="arabicPeriod"/>
+            </a:pPr>
+            <a:r>
+              <a:rPr lang="en-US" dirty="0" err="1"/>
+              <a:t>Dizajn</a:t>
+            </a:r>
+            <a:r>
+              <a:rPr lang="en-US" dirty="0"/>
+              <a:t> u </a:t>
+            </a:r>
+            <a:r>
+              <a:rPr lang="en-US" dirty="0" err="1"/>
+              <a:t>skladu</a:t>
+            </a:r>
+            <a:r>
+              <a:rPr lang="en-US" dirty="0"/>
+              <a:t> </a:t>
+            </a:r>
+            <a:r>
+              <a:rPr lang="en-US" dirty="0" err="1"/>
+              <a:t>sa</a:t>
+            </a:r>
+            <a:r>
+              <a:rPr lang="en-US" dirty="0"/>
+              <a:t> </a:t>
+            </a:r>
+            <a:r>
+              <a:rPr lang="en-US" dirty="0" err="1"/>
+              <a:t>učestalošću</a:t>
+            </a:r>
+            <a:r>
+              <a:rPr lang="en-US" dirty="0"/>
+              <a:t> </a:t>
+            </a:r>
+            <a:r>
+              <a:rPr lang="en-US" dirty="0" err="1"/>
+              <a:t>korišćenja</a:t>
+            </a:r>
+            <a:endParaRPr lang="sr-Latn-RS" dirty="0"/>
+          </a:p>
+          <a:p>
+            <a:pPr marL="514350" indent="-514350">
+              <a:buFont typeface="+mj-lt"/>
+              <a:buAutoNum type="arabicPeriod"/>
+            </a:pPr>
+            <a:r>
+              <a:rPr lang="en-US" dirty="0" err="1"/>
+              <a:t>Minimalistički</a:t>
+            </a:r>
+            <a:r>
+              <a:rPr lang="en-US" dirty="0"/>
+              <a:t> </a:t>
+            </a:r>
+            <a:r>
+              <a:rPr lang="en-US" dirty="0" err="1"/>
+              <a:t>dizajn</a:t>
+            </a:r>
+            <a:r>
+              <a:rPr lang="en-US" dirty="0"/>
+              <a:t> </a:t>
+            </a:r>
+          </a:p>
+        </p:txBody>
+      </p:sp>
+    </p:spTree>
+    <p:extLst>
+      <p:ext uri="{BB962C8B-B14F-4D97-AF65-F5344CB8AC3E}">
+        <p14:creationId xmlns:p14="http://schemas.microsoft.com/office/powerpoint/2010/main" val="1824833784"/>
+      </p:ext>
+    </p:extLst>
+  </p:cSld>
+  <p:clrMapOvr>
+    <a:masterClrMapping/>
+  </p:clrMapOvr>
+</p:sld>
+</file>
+
+<file path=ppt/slides/slide37.xml><?xml version="1.0" encoding="utf-8"?>
+<p:sld xmlns:a="http://schemas.openxmlformats.org/drawingml/2006/main" xmlns:r="http://schemas.openxmlformats.org/officeDocument/2006/relationships" xmlns:p="http://schemas.openxmlformats.org/presentationml/2006/main">
+  <p:cSld>
+    <p:spTree>
+      <p:nvGrpSpPr>
+        <p:cNvPr id="1" name=""/>
+        <p:cNvGrpSpPr/>
+        <p:nvPr/>
+      </p:nvGrpSpPr>
+      <p:grpSpPr>
+        <a:xfrm>
+          <a:off x="0" y="0"/>
+          <a:ext cx="0" cy="0"/>
+          <a:chOff x="0" y="0"/>
+          <a:chExt cx="0" cy="0"/>
+        </a:xfrm>
+      </p:grpSpPr>
+      <p:sp>
+        <p:nvSpPr>
+          <p:cNvPr id="2" name="Title 1">
+            <a:extLst>
+              <a:ext uri="{FF2B5EF4-FFF2-40B4-BE49-F238E27FC236}">
+                <a16:creationId xmlns:a16="http://schemas.microsoft.com/office/drawing/2014/main" id="{9F5FE344-5729-4231-9B72-9F82767A35F6}"/>
+              </a:ext>
+            </a:extLst>
+          </p:cNvPr>
+          <p:cNvSpPr>
+            <a:spLocks noGrp="1"/>
+          </p:cNvSpPr>
+          <p:nvPr>
+            <p:ph type="title"/>
+          </p:nvPr>
+        </p:nvSpPr>
+        <p:spPr/>
+        <p:txBody>
+          <a:bodyPr/>
+          <a:lstStyle/>
+          <a:p>
+            <a:pPr algn="ctr"/>
+            <a:r>
+              <a:rPr lang="sr-Latn-RS" dirty="0"/>
+              <a:t>Bezbednost poslovnih web aplikacija</a:t>
+            </a:r>
+            <a:endParaRPr lang="en-US" dirty="0"/>
+          </a:p>
+        </p:txBody>
+      </p:sp>
+      <p:sp>
+        <p:nvSpPr>
+          <p:cNvPr id="3" name="Content Placeholder 2">
+            <a:extLst>
+              <a:ext uri="{FF2B5EF4-FFF2-40B4-BE49-F238E27FC236}">
+                <a16:creationId xmlns:a16="http://schemas.microsoft.com/office/drawing/2014/main" id="{8694C850-F64F-42ED-A659-8F4B2A4A9D68}"/>
+              </a:ext>
+            </a:extLst>
+          </p:cNvPr>
+          <p:cNvSpPr>
+            <a:spLocks noGrp="1"/>
+          </p:cNvSpPr>
+          <p:nvPr>
+            <p:ph idx="1"/>
+          </p:nvPr>
+        </p:nvSpPr>
+        <p:spPr/>
+        <p:txBody>
+          <a:bodyPr>
+            <a:normAutofit fontScale="92500" lnSpcReduction="10000"/>
+          </a:bodyPr>
+          <a:lstStyle/>
+          <a:p>
+            <a:r>
+              <a:rPr lang="sr-Latn-RS" dirty="0"/>
+              <a:t>S</a:t>
+            </a:r>
+            <a:r>
+              <a:rPr lang="en-US" dirty="0" err="1"/>
+              <a:t>igurnosni</a:t>
+            </a:r>
+            <a:r>
+              <a:rPr lang="en-US" dirty="0"/>
+              <a:t> </a:t>
+            </a:r>
+            <a:r>
+              <a:rPr lang="en-US" dirty="0" err="1"/>
+              <a:t>problemi</a:t>
+            </a:r>
+            <a:r>
+              <a:rPr lang="sr-Latn-RS" dirty="0"/>
+              <a:t> uglavnom</a:t>
+            </a:r>
+            <a:r>
+              <a:rPr lang="en-US" dirty="0"/>
+              <a:t> </a:t>
+            </a:r>
+            <a:r>
+              <a:rPr lang="en-US" dirty="0" err="1"/>
+              <a:t>potiču</a:t>
+            </a:r>
+            <a:r>
+              <a:rPr lang="en-US" dirty="0"/>
+              <a:t> od </a:t>
+            </a:r>
+            <a:r>
+              <a:rPr lang="en-US" dirty="0" err="1"/>
+              <a:t>loših</a:t>
+            </a:r>
+            <a:r>
+              <a:rPr lang="en-US" dirty="0"/>
+              <a:t> </a:t>
+            </a:r>
+            <a:r>
+              <a:rPr lang="en-US" dirty="0" err="1"/>
+              <a:t>praksi</a:t>
+            </a:r>
+            <a:r>
+              <a:rPr lang="en-US" dirty="0"/>
+              <a:t>, </a:t>
+            </a:r>
+            <a:r>
+              <a:rPr lang="en-US" dirty="0" err="1"/>
+              <a:t>neulaganja</a:t>
+            </a:r>
+            <a:r>
+              <a:rPr lang="en-US" dirty="0"/>
+              <a:t> u </a:t>
+            </a:r>
+            <a:r>
+              <a:rPr lang="en-US" dirty="0" err="1"/>
+              <a:t>bezbednosna</a:t>
+            </a:r>
+            <a:r>
+              <a:rPr lang="en-US" dirty="0"/>
+              <a:t> </a:t>
+            </a:r>
+            <a:r>
+              <a:rPr lang="en-US" dirty="0" err="1"/>
+              <a:t>sredstva</a:t>
+            </a:r>
+            <a:r>
+              <a:rPr lang="en-US" dirty="0"/>
+              <a:t> </a:t>
+            </a:r>
+            <a:r>
+              <a:rPr lang="en-US" dirty="0" err="1"/>
+              <a:t>i</a:t>
+            </a:r>
+            <a:r>
+              <a:rPr lang="en-US" dirty="0"/>
+              <a:t> </a:t>
+            </a:r>
+            <a:r>
+              <a:rPr lang="en-US" dirty="0" err="1"/>
+              <a:t>zasterelih</a:t>
+            </a:r>
+            <a:r>
+              <a:rPr lang="en-US" dirty="0"/>
+              <a:t> </a:t>
+            </a:r>
+            <a:r>
+              <a:rPr lang="en-US" dirty="0" err="1"/>
+              <a:t>sistema</a:t>
+            </a:r>
+            <a:r>
+              <a:rPr lang="sr-Latn-RS" dirty="0"/>
+              <a:t>. Neophodno je rešiti ove probleme pošto je sajber kriminal sve zastupljeniji</a:t>
+            </a:r>
+          </a:p>
+          <a:p>
+            <a:r>
+              <a:rPr lang="en-US" dirty="0" err="1"/>
+              <a:t>Neke</a:t>
+            </a:r>
+            <a:r>
+              <a:rPr lang="en-US" dirty="0"/>
+              <a:t> </a:t>
+            </a:r>
+            <a:r>
+              <a:rPr lang="en-US" dirty="0" err="1"/>
+              <a:t>smernice</a:t>
+            </a:r>
+            <a:r>
+              <a:rPr lang="en-US" dirty="0"/>
+              <a:t> za </a:t>
+            </a:r>
+            <a:r>
+              <a:rPr lang="en-US" dirty="0" err="1"/>
+              <a:t>osiguravanje</a:t>
+            </a:r>
+            <a:r>
+              <a:rPr lang="en-US" dirty="0"/>
+              <a:t> web </a:t>
+            </a:r>
+            <a:r>
+              <a:rPr lang="en-US" dirty="0" err="1"/>
+              <a:t>aplikacija</a:t>
+            </a:r>
+            <a:r>
+              <a:rPr lang="en-US" dirty="0"/>
+              <a:t>:</a:t>
+            </a:r>
+            <a:endParaRPr lang="sr-Latn-RS" dirty="0"/>
+          </a:p>
+          <a:p>
+            <a:pPr lvl="1">
+              <a:buFont typeface="Courier New" panose="02070309020205020404" pitchFamily="49" charset="0"/>
+              <a:buChar char="o"/>
+            </a:pPr>
+            <a:r>
+              <a:rPr lang="en-US" dirty="0" err="1"/>
+              <a:t>Rigorozno</a:t>
+            </a:r>
+            <a:r>
+              <a:rPr lang="en-US" dirty="0"/>
+              <a:t> </a:t>
+            </a:r>
+            <a:r>
+              <a:rPr lang="en-US" dirty="0" err="1"/>
+              <a:t>testiranje</a:t>
+            </a:r>
+            <a:r>
+              <a:rPr lang="en-US" dirty="0"/>
+              <a:t> </a:t>
+            </a:r>
+            <a:r>
+              <a:rPr lang="en-US" dirty="0" err="1"/>
+              <a:t>ulaznih</a:t>
+            </a:r>
+            <a:r>
+              <a:rPr lang="en-US" dirty="0"/>
+              <a:t> </a:t>
+            </a:r>
+            <a:r>
+              <a:rPr lang="en-US" dirty="0" err="1"/>
+              <a:t>parametara</a:t>
+            </a:r>
+            <a:r>
+              <a:rPr lang="sr-Latn-RS" dirty="0"/>
+              <a:t> - ulazni parametri su potencijalan put do osetljivih podataka i internih sistema</a:t>
+            </a:r>
+          </a:p>
+          <a:p>
+            <a:pPr lvl="1">
+              <a:buFont typeface="Courier New" panose="02070309020205020404" pitchFamily="49" charset="0"/>
+              <a:buChar char="o"/>
+            </a:pPr>
+            <a:r>
+              <a:rPr lang="en-US" dirty="0" err="1"/>
+              <a:t>Autentikacione</a:t>
+            </a:r>
+            <a:r>
+              <a:rPr lang="en-US" dirty="0"/>
+              <a:t> </a:t>
+            </a:r>
+            <a:r>
+              <a:rPr lang="en-US" dirty="0" err="1"/>
+              <a:t>metode</a:t>
+            </a:r>
+            <a:r>
+              <a:rPr lang="en-US" dirty="0"/>
+              <a:t> bez </a:t>
+            </a:r>
+            <a:r>
+              <a:rPr lang="en-US" dirty="0" err="1"/>
+              <a:t>lozinke</a:t>
+            </a:r>
+            <a:r>
+              <a:rPr lang="sr-Latn-RS" dirty="0"/>
+              <a:t> - lozinke nisu toliko bezbedan mehanizam za čuvanje bitnih podataka, treba potražiti alternative, kao što je na primer N-faktor autentikacija</a:t>
+            </a:r>
+          </a:p>
+          <a:p>
+            <a:pPr lvl="1">
+              <a:buFont typeface="Courier New" panose="02070309020205020404" pitchFamily="49" charset="0"/>
+              <a:buChar char="o"/>
+            </a:pPr>
+            <a:r>
+              <a:rPr lang="en-US" dirty="0" err="1"/>
+              <a:t>Korišćenje</a:t>
+            </a:r>
+            <a:r>
+              <a:rPr lang="en-US" dirty="0"/>
+              <a:t> WAF-a (Web Application Firewall) </a:t>
+            </a:r>
+            <a:r>
+              <a:rPr lang="sr-Latn-RS" dirty="0"/>
+              <a:t>- štit između aplikacije i Internet saobraćaja, koji sprečava SQL injekcije, DDoS napade, uključivanje datoteka, cross-site skriptovanje i cross-site falsifikovanje. </a:t>
+            </a:r>
+            <a:r>
+              <a:rPr lang="sr-Latn-RS"/>
+              <a:t>Cilj je da se zaustavi svaki potencijalno štetan web saobraćaj koji su drugi mehanizmi obezbeđenja propustili</a:t>
+            </a:r>
+            <a:endParaRPr lang="en-US" dirty="0"/>
+          </a:p>
+        </p:txBody>
+      </p:sp>
+    </p:spTree>
+    <p:extLst>
+      <p:ext uri="{BB962C8B-B14F-4D97-AF65-F5344CB8AC3E}">
+        <p14:creationId xmlns:p14="http://schemas.microsoft.com/office/powerpoint/2010/main" val="3315431228"/>
       </p:ext>
     </p:extLst>
   </p:cSld>
